--- a/SOC - prezentace.pptx
+++ b/SOC - prezentace.pptx
@@ -12,7 +12,7 @@
     <p:sldId id="259" r:id="rId3"/>
     <p:sldId id="258" r:id="rId4"/>
     <p:sldId id="267" r:id="rId5"/>
-    <p:sldId id="268" r:id="rId6"/>
+    <p:sldId id="270" r:id="rId6"/>
     <p:sldId id="260" r:id="rId7"/>
     <p:sldId id="266" r:id="rId8"/>
     <p:sldId id="261" r:id="rId9"/>
@@ -520,7 +520,7 @@
           <a:p>
             <a:r>
               <a:rPr lang="cs-CZ" dirty="0"/>
-              <a:t>Dobrý den, jmenuji se Eduard Plic a studuji sedmým rokem na Masarykovo Gymnáziu v Plzni. Jako téma mé středoškolské odborné činnosti jsem si zvolil Klasifikace slunečních skvrn pomocí umělé inteligence, kterou bych Vám tu dnes rád odprezentoval. Nejprve se podíváme na celkové shrnutí práce a poté se na téma práce podíváme detailněji.</a:t>
+              <a:t>Dobrý den, jmenuji se Eduard Plic a studuji sedmým rokem na Masarykovu Gymnáziu v Plzni. Jako téma mé středoškolské odborné činnosti jsem si zvolil Klasifikaci slunečních skvrn pomocí umělé inteligence. Svou práci bych Vám rád nyní odprezentoval.</a:t>
             </a:r>
           </a:p>
         </p:txBody>
@@ -607,7 +607,7 @@
           <a:p>
             <a:r>
               <a:rPr lang="cs-CZ" dirty="0"/>
-              <a:t>Ze všeho nejdříve bych rád poděkoval institucím jako je Fakulta aplikovaných věd Západočeské univerzity v Plzni, Ondřejovská hvězdárna Astronomického ústavu Akademie věd ČR a Masarykovo gymnázium, Plzeň za spolupráci na této práci.</a:t>
+              <a:t>Ze všeho nejdříve bych ještě rád poděkoval institucím jako je Fakulta aplikovaných věd Západočeské univerzity v Plzni, Ondřejovská hvězdárna Astronomického ústavu Akademie věd ČR a Masarykovo gymnázium, Plzeň za jejich spolupráci.</a:t>
             </a:r>
           </a:p>
           <a:p>
@@ -616,19 +616,19 @@
           <a:p>
             <a:r>
               <a:rPr lang="cs-CZ" dirty="0"/>
-              <a:t>Nyní pojďme k práci samotné.</a:t>
-            </a:r>
-          </a:p>
-          <a:p>
-            <a:r>
-              <a:rPr lang="cs-CZ" dirty="0"/>
-              <a:t>Cílem mé středoškolské odborné činnosti bylo prozkoumat možné spojení dvou z mého pohledu velmi zajímavých vědních oborů, a to sluneční astronomie a strojového učení.</a:t>
-            </a:r>
-          </a:p>
-          <a:p>
-            <a:r>
-              <a:rPr lang="cs-CZ" dirty="0"/>
-              <a:t>Dalším záměrem v mé práci bylo vytvořit model konvoluční neuronové sítě, který by byl schopný klasifikovat skupiny slunečních skvrn podle </a:t>
+              <a:t>Nyní pojďme k práci samotné, jejímu souhrnu.</a:t>
+            </a:r>
+          </a:p>
+          <a:p>
+            <a:r>
+              <a:rPr lang="cs-CZ" dirty="0"/>
+              <a:t>Cílem mé středoškolské odborné činnosti bylo prozkoumat možné spojení dvou velmi zajímavých vědních oborů, a to sluneční astronomie a strojového učení.</a:t>
+            </a:r>
+          </a:p>
+          <a:p>
+            <a:r>
+              <a:rPr lang="cs-CZ" dirty="0"/>
+              <a:t>Dalším mým záměrem bylo vytvořit model konvoluční neuronové sítě, který by byl schopný klasifikovat skupiny slunečních skvrn podle </a:t>
             </a:r>
             <a:r>
               <a:rPr lang="cs-CZ" dirty="0" err="1"/>
@@ -642,7 +642,7 @@
           <a:p>
             <a:r>
               <a:rPr lang="cs-CZ" dirty="0"/>
-              <a:t>Další mojí motivací k výběru právě toho tématu byla vidina popularizace sluneční kresby, což se vzhledem k tomu, že toto video právě sledujete, povedlo.</a:t>
+              <a:t>Další mojí motivací k výběru právě toho tématu byla popularizace sluneční kresby, což se vzhledem k tomu, že toto video právě sledujete, povedlo.</a:t>
             </a:r>
           </a:p>
           <a:p>
@@ -651,15 +651,7 @@
           <a:p>
             <a:r>
               <a:rPr lang="cs-CZ" dirty="0"/>
-              <a:t>Tyto mé cíle se mi povedlo naplnit neboť práce obsahuje jednoduchý, srozumitelný text, který uvádí do problematiky ze stran obou ústředních témat, slunečních skvrn a strojového učení. Tento text by měl být psaný od základních informací, tak aby kdokoliv, kdo mou práci přečte, nabyde potřebných informací nutných k tvorbě podobných modelů jako jsem ve své práci tvořil já. Ve své práci jsem popsal celkem 8 modelů, které byly schopné predikovat třídu McIntoshovy klasifikace na určité úrovni. Také jsem v práci uvedl postup této tvorby tak, aby bylo možné modely jednoduše vytvořit a ve své práci jsem nabídl mnoho možností, jak tyto modely </a:t>
-            </a:r>
-            <a:r>
-              <a:rPr lang="cs-CZ" dirty="0" err="1"/>
-              <a:t>zlepšít</a:t>
-            </a:r>
-            <a:r>
-              <a:rPr lang="cs-CZ" dirty="0"/>
-              <a:t>.</a:t>
+              <a:t>Dalším výsledkem je samotný text práce, který jednoduše a srozumitelně uvádí do problematiky ze stran obou ústředních témat, jak slunečních skvrn, tak strojového učení. Tato pasáž je psána od základních informací, tak aby kdokoliv, kdo mou práci přečte, nabyl potřebných informací nutných k tvorbě podobných modelů jako jsem trénoval já. Ve své práci jsem popsal celkem 8 různých modelů, které byly schopné predikovat třídy McIntoshovy klasifikace. Kromě jejich parametrů jsem nabídl i další možnosti, jak tyto modely dále upravovat.</a:t>
             </a:r>
           </a:p>
           <a:p>
@@ -668,7 +660,7 @@
           <a:p>
             <a:r>
               <a:rPr lang="cs-CZ" dirty="0"/>
-              <a:t>Nyní se pojďme podívat výsledky vytvořených modelů. Před tím je ale nutné znát určité věci, například co jsou to sluneční skvrny, nebo co je umělá inteligence.</a:t>
+              <a:t>Nyní se pojďme detailněji podívat na postup trénování a výsledku některých modelů. Před tím ještě zmíním ty nejzákladnější informace nutné k pochopení modelů, například co je to kresba Slunce, nebo McIntoshova klasifikace.</a:t>
             </a:r>
           </a:p>
         </p:txBody>
@@ -755,31 +747,7 @@
           <a:p>
             <a:r>
               <a:rPr lang="cs-CZ" dirty="0"/>
-              <a:t>Sluneční skvrny jsou tmavé útvary pozorovatelné na Slunci i pouhýma očima, k tomu musí nastat ale speciální podmínky. Ve skutečnosti není ale při výskytu skvrn Slunce nijak zašpiněno, i když tak </a:t>
-            </a:r>
-            <a:r>
-              <a:rPr lang="cs-CZ" dirty="0" err="1"/>
-              <a:t>vipadá</a:t>
-            </a:r>
-            <a:r>
-              <a:rPr lang="cs-CZ" dirty="0"/>
-              <a:t>, ale skvrny </a:t>
-            </a:r>
-            <a:r>
-              <a:rPr lang="cs-CZ" dirty="0" err="1"/>
-              <a:t>znázornˇujjí</a:t>
-            </a:r>
-            <a:r>
-              <a:rPr lang="cs-CZ" dirty="0"/>
-              <a:t> poruchu magnetického pole naší nejbližší hvězdy. Magnetické indukční čáry v těchto místech vystupují případně vstupují na povrch Slunce. Několik desítek slunečních skvrn můžeme vidět na obrázku vpravo, tyto skvrn pak můžeme rozřadit do 4 zjevných skupin, které se mezi sebou nijak neovlivňují. Zde jsem jako ukázku vybral fotky ze sondy XXX, ale existují i jiné metody jak zachytit tyto útvary, například sluneční kresbou, která má tradici již přes 300 let. Pojďme se na tuto metodu podívat </a:t>
-            </a:r>
-            <a:r>
-              <a:rPr lang="cs-CZ" dirty="0" err="1"/>
-              <a:t>detilněji</a:t>
-            </a:r>
-            <a:r>
-              <a:rPr lang="cs-CZ" dirty="0"/>
-              <a:t>.</a:t>
+              <a:t>Sluneční skvrny jsou tmavé útvary pozorovatelné na Slunci dalekohledy ale i pouhýma očima. K tomu musí nastat ale speciální podmínky. Sluneční skvrny zobrazují určitou poruchu magnetického pole naší nejbližší hvězdy. Magnetické indukční čáry v těchto místech vystupují nebo vstupují na povrch Slunce a tím dochází ke snížení teploty a ke ztmavnutí této aktivní oblasti. Několik desítek slunečních skvrn můžeme vidět na obrázku vpravo, tyto skvrn pak můžeme rozřadit do 5 zjevných skupin, které se mezi sebou nijak neovlivňují. Zde jsem jako ukázku vybral fotky z družice SDO, ale existují i jiné metody jak zachytit tyto útvary, například sluneční kresba. Pojďme se na tuto metodu podívat detailněji.</a:t>
             </a:r>
           </a:p>
         </p:txBody>
@@ -866,63 +834,7 @@
           <a:p>
             <a:r>
               <a:rPr lang="cs-CZ" dirty="0"/>
-              <a:t>I přestože je kresba již velmi dlouho prováděna, v české republice se jí věnuje jen málo </a:t>
-            </a:r>
-            <a:r>
-              <a:rPr lang="cs-CZ" dirty="0" err="1"/>
-              <a:t>jidinců</a:t>
-            </a:r>
-            <a:r>
-              <a:rPr lang="cs-CZ" dirty="0"/>
-              <a:t> a hvězdáren. Jednou z těch, která se sluneční kresbě věnuje je Ondřejovská hvězdárna, kterou jsme taktéž při psaní této práce navštívili. Na hvězdárně mi </a:t>
-            </a:r>
-            <a:r>
-              <a:rPr lang="cs-CZ" dirty="0" err="1"/>
-              <a:t>zodpovědeli</a:t>
-            </a:r>
-            <a:r>
-              <a:rPr lang="cs-CZ" dirty="0"/>
-              <a:t> veškeré mé dotazy a </a:t>
-            </a:r>
-            <a:r>
-              <a:rPr lang="cs-CZ" dirty="0" err="1"/>
-              <a:t>předvadli</a:t>
-            </a:r>
-            <a:r>
-              <a:rPr lang="cs-CZ" dirty="0"/>
-              <a:t> mi postup zakreslení Slunce do protokolu, který můžete vidět na tomto slidu. Tento protokol se umístí za dalekohled a poté je </a:t>
-            </a:r>
-            <a:r>
-              <a:rPr lang="cs-CZ" dirty="0" err="1"/>
-              <a:t>dalekohledm</a:t>
-            </a:r>
-            <a:r>
-              <a:rPr lang="cs-CZ" dirty="0"/>
-              <a:t> na tento papír promítán sluneční disk a jsou na něm zakreslovány různé úkazy. Povšimněte si prosím, že každá skupina slunečních skvrn je ohraničena obdélníkem a je klasifikována </a:t>
-            </a:r>
-            <a:r>
-              <a:rPr lang="cs-CZ" dirty="0" err="1"/>
-              <a:t>třípísmeným</a:t>
-            </a:r>
-            <a:r>
-              <a:rPr lang="cs-CZ" dirty="0"/>
-              <a:t> názvem. Kromě slunečního disku samotného můžeme v rozích </a:t>
-            </a:r>
-            <a:r>
-              <a:rPr lang="cs-CZ" dirty="0" err="1"/>
-              <a:t>formnuláře</a:t>
-            </a:r>
-            <a:r>
-              <a:rPr lang="cs-CZ" dirty="0"/>
-              <a:t> vidět tabulky s některými důležitými informacemi, které jsme při tvorbě CNN použili. Pokud vás kresba zaujala, chtěli byste si ji vyzkoušet, případně vás o ní zajímá více informací doporučuji vám navštívit web </a:t>
-            </a:r>
-            <a:r>
-              <a:rPr lang="cs-CZ" dirty="0" err="1"/>
-              <a:t>lkjlkjlk</a:t>
-            </a:r>
-            <a:r>
-              <a:rPr lang="cs-CZ" dirty="0"/>
-              <a:t>, kde naleznete všechny potřebné informace.</a:t>
+              <a:t>I přestože tato metoda zachycení fotosféry Slunce má přibližně 300 letou tradici, v České republice se kresbě věnuje jen málo jedinců a hvězdáren. Jednou z nich je Ondřejovská hvězdárna, kterou jsem taktéž při psaní této práce navštívil, abych lépe pochopili celý proces kreslení a dostal odpovědi od prvotřídních odborníků v oboru. Protokol kresby můžete vidět zde na obrázku. Sluneční disk se při zákresu přes dalekohled promítá na tento formulář, tak aby mohly být zakresleny všechny sluneční útvary. Poté jsou všechny skupiny skvrn ohraničeny obdélníkem a je jim přiřazena jejich klasifikace. Povšimněte si, že například největší skupina má označení Ekc. Kromě slunečního disku samotného můžeme v rozích formuláře vidět tabulky s některými důležitými informacemi, které jsme při tvorbě modelu použili. Pokud vás kresba zaujala, chtěli byste si ji vyzkoušet, případně vás zajímá více informací doporučuji vám navštívit tento odkaz, kde naleznete všechny potřebné informace.</a:t>
             </a:r>
           </a:p>
         </p:txBody>
@@ -1009,23 +921,138 @@
           <a:p>
             <a:r>
               <a:rPr lang="cs-CZ" dirty="0"/>
-              <a:t>Jak z názvu vyplívá, ve své práci jsem využíval umělou inteligenci, nebo spíše strojové učení. Nabízí se otázka, které označení je správné. Pravdivější označení je strojové učení, nebo metody strojového učení neboť umělá inteligence, která by dokázala sama něco vymyslet neexistuje. Existuje pouze velké množství metod jak naučit různé programy ze zadaných vstupních dat získat ty výstupní. Jedním z těchto algoritmů je neuronová síť, </a:t>
+              <a:t>Jak jsem zmínil na předchozím slidu, skupiny slunečních skvrn můžeme klasifikovat. Existuje více možných klasifikací, ale já jsem si vybral </a:t>
             </a:r>
             <a:r>
               <a:rPr lang="cs-CZ" dirty="0" err="1"/>
-              <a:t>jejiž</a:t>
-            </a:r>
-            <a:r>
-              <a:rPr lang="cs-CZ" dirty="0"/>
-              <a:t> fungování nám zobrazuje obrázek v </a:t>
+              <a:t>McIntoshovu</a:t>
+            </a:r>
+            <a:r>
+              <a:rPr lang="cs-CZ" dirty="0"/>
+              <a:t> klasifikaci, protože skupiny dostávají své třípísmenné označení na základě 3 na sobě nezávislých podklasifikací. První písmeno závisí na konfiguraci skupiny, druhé poté na </a:t>
             </a:r>
             <a:r>
               <a:rPr lang="cs-CZ" dirty="0" err="1"/>
-              <a:t>pravu</a:t>
-            </a:r>
-            <a:r>
-              <a:rPr lang="cs-CZ" dirty="0"/>
-              <a:t>. Síť se sestává z mnoha neuronů, zde koleček, které jsou napojeny na jiné </a:t>
+              <a:t>penubře</a:t>
+            </a:r>
+            <a:r>
+              <a:rPr lang="cs-CZ" dirty="0"/>
+              <a:t> největší skvrn a třetí na rozložení skvrn v prostoru. Tím, že jsem si vybral právě tuto klasifikaci, jsem mohl vytvořit 3 modely, které predikovaly vždy jednu podklasifikaci.</a:t>
+            </a:r>
+          </a:p>
+        </p:txBody>
+      </p:sp>
+      <p:sp>
+        <p:nvSpPr>
+          <p:cNvPr id="4" name="Slide Number Placeholder 3"/>
+          <p:cNvSpPr>
+            <a:spLocks noGrp="1"/>
+          </p:cNvSpPr>
+          <p:nvPr>
+            <p:ph type="sldNum" sz="quarter" idx="5"/>
+          </p:nvPr>
+        </p:nvSpPr>
+        <p:spPr/>
+        <p:txBody>
+          <a:bodyPr/>
+          <a:lstStyle/>
+          <a:p>
+            <a:fld id="{CBBA801F-A763-49F0-9340-9CE6E525A0F2}" type="slidenum">
+              <a:rPr lang="cs-CZ" smtClean="0"/>
+              <a:t>5</a:t>
+            </a:fld>
+            <a:endParaRPr lang="cs-CZ"/>
+          </a:p>
+        </p:txBody>
+      </p:sp>
+    </p:spTree>
+    <p:extLst>
+      <p:ext uri="{BB962C8B-B14F-4D97-AF65-F5344CB8AC3E}">
+        <p14:creationId xmlns:p14="http://schemas.microsoft.com/office/powerpoint/2010/main" val="970653222"/>
+      </p:ext>
+    </p:extLst>
+  </p:cSld>
+  <p:clrMapOvr>
+    <a:masterClrMapping/>
+  </p:clrMapOvr>
+</p:notes>
+</file>
+
+<file path=ppt/notesSlides/notesSlide6.xml><?xml version="1.0" encoding="utf-8"?>
+<p:notes xmlns:a="http://schemas.openxmlformats.org/drawingml/2006/main" xmlns:r="http://schemas.openxmlformats.org/officeDocument/2006/relationships" xmlns:p="http://schemas.openxmlformats.org/presentationml/2006/main">
+  <p:cSld>
+    <p:spTree>
+      <p:nvGrpSpPr>
+        <p:cNvPr id="1" name=""/>
+        <p:cNvGrpSpPr/>
+        <p:nvPr/>
+      </p:nvGrpSpPr>
+      <p:grpSpPr>
+        <a:xfrm>
+          <a:off x="0" y="0"/>
+          <a:ext cx="0" cy="0"/>
+          <a:chOff x="0" y="0"/>
+          <a:chExt cx="0" cy="0"/>
+        </a:xfrm>
+      </p:grpSpPr>
+      <p:sp>
+        <p:nvSpPr>
+          <p:cNvPr id="2" name="Slide Image Placeholder 1"/>
+          <p:cNvSpPr>
+            <a:spLocks noGrp="1" noRot="1" noChangeAspect="1"/>
+          </p:cNvSpPr>
+          <p:nvPr>
+            <p:ph type="sldImg"/>
+          </p:nvPr>
+        </p:nvSpPr>
+        <p:spPr/>
+      </p:sp>
+      <p:sp>
+        <p:nvSpPr>
+          <p:cNvPr id="3" name="Notes Placeholder 2"/>
+          <p:cNvSpPr>
+            <a:spLocks noGrp="1"/>
+          </p:cNvSpPr>
+          <p:nvPr>
+            <p:ph type="body" idx="1"/>
+          </p:nvPr>
+        </p:nvSpPr>
+        <p:spPr/>
+        <p:txBody>
+          <a:bodyPr/>
+          <a:lstStyle/>
+          <a:p>
+            <a:r>
+              <a:rPr lang="cs-CZ" dirty="0"/>
+              <a:t>Jak z názvu vyplívá, ve své práci jsem využíval umělou inteligenci, nebo spíše strojové učení. Umělá inteligence je souhrnný pojem, </a:t>
+            </a:r>
+            <a:r>
+              <a:rPr lang="cs-CZ" dirty="0" err="1"/>
+              <a:t>zaštitující</a:t>
+            </a:r>
+            <a:r>
+              <a:rPr lang="cs-CZ" dirty="0"/>
+              <a:t> jakýkoliv stroj, který provádí operace. Její podmnožinou je strojové učení což je </a:t>
+            </a:r>
+            <a:r>
+              <a:rPr lang="cs-CZ" dirty="0" err="1"/>
+              <a:t>souhrné</a:t>
+            </a:r>
+            <a:r>
+              <a:rPr lang="cs-CZ" dirty="0"/>
+              <a:t> označení metod nebo algoritmů, </a:t>
+            </a:r>
+            <a:r>
+              <a:rPr lang="cs-CZ" sz="1800" dirty="0">
+                <a:effectLst/>
+                <a:latin typeface="Times New Roman" panose="02020603050405020304" pitchFamily="18" charset="0"/>
+                <a:ea typeface="Calibri" panose="020F0502020204030204" pitchFamily="34" charset="0"/>
+              </a:rPr>
+              <a:t>které mají za cíl splnění určitého úkolu. </a:t>
+            </a:r>
+            <a:r>
+              <a:rPr lang="cs-CZ" dirty="0"/>
+              <a:t>Jedním z těchto algoritmů je neuronová síť, jejíž fungování nám zobrazuje obrázek vpravo. Síť se sestává z mnoha neuronů, zde koleček, které jsou napojeny na jiné </a:t>
             </a:r>
             <a:r>
               <a:rPr lang="cs-CZ" dirty="0" err="1"/>
@@ -1033,7 +1060,15 @@
             </a:r>
             <a:r>
               <a:rPr lang="cs-CZ" dirty="0"/>
-              <a:t> a dokáží se aktivovat. </a:t>
+              <a:t> a dokáží se aktivovat v závislosti na neuronech v předchozí vrstvě. Tato neuronová síť má určité typy vrstev, první se nazývá vstupní a pouze přebírá vstupní data, poté následují skryté </a:t>
+            </a:r>
+            <a:r>
+              <a:rPr lang="cs-CZ" dirty="0" err="1"/>
+              <a:t>vstvy</a:t>
+            </a:r>
+            <a:r>
+              <a:rPr lang="cs-CZ" dirty="0"/>
+              <a:t>, které vstupní data vyhodnocují a neuronová síť je zakončena výstupní vrstvou, která například může udávat pravděpodobnosti zařazení vstupu do 2 tříd. Typ neuronových sít´, který využívám já, je konvoluční neuronová síť. Tento algoritmus učení se osvědčil, protože v sobě mají neurony zabudovanou informaci o poleze pixelu na vstupním obrázku.</a:t>
             </a:r>
           </a:p>
         </p:txBody>
@@ -1065,6 +1100,310 @@
     <p:extLst>
       <p:ext uri="{BB962C8B-B14F-4D97-AF65-F5344CB8AC3E}">
         <p14:creationId xmlns:p14="http://schemas.microsoft.com/office/powerpoint/2010/main" val="1409710769"/>
+      </p:ext>
+    </p:extLst>
+  </p:cSld>
+  <p:clrMapOvr>
+    <a:masterClrMapping/>
+  </p:clrMapOvr>
+</p:notes>
+</file>
+
+<file path=ppt/notesSlides/notesSlide7.xml><?xml version="1.0" encoding="utf-8"?>
+<p:notes xmlns:a="http://schemas.openxmlformats.org/drawingml/2006/main" xmlns:r="http://schemas.openxmlformats.org/officeDocument/2006/relationships" xmlns:p="http://schemas.openxmlformats.org/presentationml/2006/main">
+  <p:cSld>
+    <p:spTree>
+      <p:nvGrpSpPr>
+        <p:cNvPr id="1" name=""/>
+        <p:cNvGrpSpPr/>
+        <p:nvPr/>
+      </p:nvGrpSpPr>
+      <p:grpSpPr>
+        <a:xfrm>
+          <a:off x="0" y="0"/>
+          <a:ext cx="0" cy="0"/>
+          <a:chOff x="0" y="0"/>
+          <a:chExt cx="0" cy="0"/>
+        </a:xfrm>
+      </p:grpSpPr>
+      <p:sp>
+        <p:nvSpPr>
+          <p:cNvPr id="2" name="Slide Image Placeholder 1"/>
+          <p:cNvSpPr>
+            <a:spLocks noGrp="1" noRot="1" noChangeAspect="1"/>
+          </p:cNvSpPr>
+          <p:nvPr>
+            <p:ph type="sldImg"/>
+          </p:nvPr>
+        </p:nvSpPr>
+        <p:spPr/>
+      </p:sp>
+      <p:sp>
+        <p:nvSpPr>
+          <p:cNvPr id="3" name="Notes Placeholder 2"/>
+          <p:cNvSpPr>
+            <a:spLocks noGrp="1"/>
+          </p:cNvSpPr>
+          <p:nvPr>
+            <p:ph type="body" idx="1"/>
+          </p:nvPr>
+        </p:nvSpPr>
+        <p:spPr/>
+        <p:txBody>
+          <a:bodyPr/>
+          <a:lstStyle/>
+          <a:p>
+            <a:pPr marL="0" marR="0" lvl="0" indent="0" algn="l" defTabSz="914400" rtl="0" eaLnBrk="1" fontAlgn="auto" latinLnBrk="0" hangingPunct="1">
+              <a:lnSpc>
+                <a:spcPct val="100000"/>
+              </a:lnSpc>
+              <a:spcBef>
+                <a:spcPts val="0"/>
+              </a:spcBef>
+              <a:spcAft>
+                <a:spcPts val="0"/>
+              </a:spcAft>
+              <a:buClrTx/>
+              <a:buSzTx/>
+              <a:buFontTx/>
+              <a:buNone/>
+              <a:tabLst/>
+              <a:defRPr/>
+            </a:pPr>
+            <a:r>
+              <a:rPr lang="cs-CZ" dirty="0"/>
+              <a:t>Modely jsem trénoval v programovacím jazyce Python. Trénoval jsem model konvoluční neuronové sítě. Jako styl učení jsem si vybral učení s učitelem, což je metoda, kdy jsou ke vstupním datům přiřazena i správná výstupní data. U každého modelu jsem poté nastavoval další parametry a ty zaznamenal do práce.</a:t>
+            </a:r>
+          </a:p>
+          <a:p>
+            <a:pPr marL="0" marR="0" lvl="0" indent="0" algn="l" defTabSz="914400" rtl="0" eaLnBrk="1" fontAlgn="auto" latinLnBrk="0" hangingPunct="1">
+              <a:lnSpc>
+                <a:spcPct val="100000"/>
+              </a:lnSpc>
+              <a:spcBef>
+                <a:spcPts val="0"/>
+              </a:spcBef>
+              <a:spcAft>
+                <a:spcPts val="0"/>
+              </a:spcAft>
+              <a:buClrTx/>
+              <a:buSzTx/>
+              <a:buFontTx/>
+              <a:buNone/>
+              <a:tabLst/>
+              <a:defRPr/>
+            </a:pPr>
+            <a:r>
+              <a:rPr lang="cs-CZ" dirty="0"/>
+              <a:t>K natrénovaní jakéhokoliv modelu jsou potřeba také vstupní data, která nesmí být podceňována. V mém případě byla vstupní data jednotlivé skupiny skvrn zakreslené na protokolu. Tyto skupiny jsou vždy označeny v kresbě obdélníkem a tedy jsem programově našel všechny obdélníky, z oblasti skupiny okolo jsem poté odstranil žlutooranžové prvky, filamenty, odebral okolí skvrn a celý obrázek invertoval pro lepší funkci modelu.</a:t>
+            </a:r>
+          </a:p>
+        </p:txBody>
+      </p:sp>
+      <p:sp>
+        <p:nvSpPr>
+          <p:cNvPr id="4" name="Slide Number Placeholder 3"/>
+          <p:cNvSpPr>
+            <a:spLocks noGrp="1"/>
+          </p:cNvSpPr>
+          <p:nvPr>
+            <p:ph type="sldNum" sz="quarter" idx="5"/>
+          </p:nvPr>
+        </p:nvSpPr>
+        <p:spPr/>
+        <p:txBody>
+          <a:bodyPr/>
+          <a:lstStyle/>
+          <a:p>
+            <a:fld id="{CBBA801F-A763-49F0-9340-9CE6E525A0F2}" type="slidenum">
+              <a:rPr lang="cs-CZ" smtClean="0"/>
+              <a:t>7</a:t>
+            </a:fld>
+            <a:endParaRPr lang="cs-CZ"/>
+          </a:p>
+        </p:txBody>
+      </p:sp>
+    </p:spTree>
+    <p:extLst>
+      <p:ext uri="{BB962C8B-B14F-4D97-AF65-F5344CB8AC3E}">
+        <p14:creationId xmlns:p14="http://schemas.microsoft.com/office/powerpoint/2010/main" val="2810337077"/>
+      </p:ext>
+    </p:extLst>
+  </p:cSld>
+  <p:clrMapOvr>
+    <a:masterClrMapping/>
+  </p:clrMapOvr>
+</p:notes>
+</file>
+
+<file path=ppt/notesSlides/notesSlide8.xml><?xml version="1.0" encoding="utf-8"?>
+<p:notes xmlns:a="http://schemas.openxmlformats.org/drawingml/2006/main" xmlns:r="http://schemas.openxmlformats.org/officeDocument/2006/relationships" xmlns:p="http://schemas.openxmlformats.org/presentationml/2006/main">
+  <p:cSld>
+    <p:spTree>
+      <p:nvGrpSpPr>
+        <p:cNvPr id="1" name=""/>
+        <p:cNvGrpSpPr/>
+        <p:nvPr/>
+      </p:nvGrpSpPr>
+      <p:grpSpPr>
+        <a:xfrm>
+          <a:off x="0" y="0"/>
+          <a:ext cx="0" cy="0"/>
+          <a:chOff x="0" y="0"/>
+          <a:chExt cx="0" cy="0"/>
+        </a:xfrm>
+      </p:grpSpPr>
+      <p:sp>
+        <p:nvSpPr>
+          <p:cNvPr id="2" name="Slide Image Placeholder 1"/>
+          <p:cNvSpPr>
+            <a:spLocks noGrp="1" noRot="1" noChangeAspect="1"/>
+          </p:cNvSpPr>
+          <p:nvPr>
+            <p:ph type="sldImg"/>
+          </p:nvPr>
+        </p:nvSpPr>
+        <p:spPr/>
+      </p:sp>
+      <p:sp>
+        <p:nvSpPr>
+          <p:cNvPr id="3" name="Notes Placeholder 2"/>
+          <p:cNvSpPr>
+            <a:spLocks noGrp="1"/>
+          </p:cNvSpPr>
+          <p:nvPr>
+            <p:ph type="body" idx="1"/>
+          </p:nvPr>
+        </p:nvSpPr>
+        <p:spPr/>
+        <p:txBody>
+          <a:bodyPr/>
+          <a:lstStyle/>
+          <a:p>
+            <a:r>
+              <a:rPr lang="cs-CZ" dirty="0"/>
+              <a:t>Takto jsem vytvořil několik modelů, zde jsou uvedeny konfuzní matice modelů, které predikovaly vždy jednu podklasifikaci McIntoshova systému. Konfuzní matice je způsob zobrazení přesnosti modelu. Kdyby byla všechna data na diagonále, tak by model predikoval správné označení třídy. Tedy například z obrázků můžeme vyčíst, že největší problém měl 1. model s predikcí třídy F, kterou většinou označil jako třídu F. Modely prvního a třetího písmena byly v celku přesné, ale například s predikcí klasifikace podle typu největší skvrny měl model problém, což je zřejmé, neboť tato skvrna se může ve skupině vyskytovat v podstatě kdekoliv.</a:t>
+            </a:r>
+          </a:p>
+        </p:txBody>
+      </p:sp>
+      <p:sp>
+        <p:nvSpPr>
+          <p:cNvPr id="4" name="Slide Number Placeholder 3"/>
+          <p:cNvSpPr>
+            <a:spLocks noGrp="1"/>
+          </p:cNvSpPr>
+          <p:nvPr>
+            <p:ph type="sldNum" sz="quarter" idx="5"/>
+          </p:nvPr>
+        </p:nvSpPr>
+        <p:spPr/>
+        <p:txBody>
+          <a:bodyPr/>
+          <a:lstStyle/>
+          <a:p>
+            <a:fld id="{CBBA801F-A763-49F0-9340-9CE6E525A0F2}" type="slidenum">
+              <a:rPr lang="cs-CZ" smtClean="0"/>
+              <a:t>8</a:t>
+            </a:fld>
+            <a:endParaRPr lang="cs-CZ"/>
+          </a:p>
+        </p:txBody>
+      </p:sp>
+    </p:spTree>
+    <p:extLst>
+      <p:ext uri="{BB962C8B-B14F-4D97-AF65-F5344CB8AC3E}">
+        <p14:creationId xmlns:p14="http://schemas.microsoft.com/office/powerpoint/2010/main" val="1020336276"/>
+      </p:ext>
+    </p:extLst>
+  </p:cSld>
+  <p:clrMapOvr>
+    <a:masterClrMapping/>
+  </p:clrMapOvr>
+</p:notes>
+</file>
+
+<file path=ppt/notesSlides/notesSlide9.xml><?xml version="1.0" encoding="utf-8"?>
+<p:notes xmlns:a="http://schemas.openxmlformats.org/drawingml/2006/main" xmlns:r="http://schemas.openxmlformats.org/officeDocument/2006/relationships" xmlns:p="http://schemas.openxmlformats.org/presentationml/2006/main">
+  <p:cSld>
+    <p:spTree>
+      <p:nvGrpSpPr>
+        <p:cNvPr id="1" name=""/>
+        <p:cNvGrpSpPr/>
+        <p:nvPr/>
+      </p:nvGrpSpPr>
+      <p:grpSpPr>
+        <a:xfrm>
+          <a:off x="0" y="0"/>
+          <a:ext cx="0" cy="0"/>
+          <a:chOff x="0" y="0"/>
+          <a:chExt cx="0" cy="0"/>
+        </a:xfrm>
+      </p:grpSpPr>
+      <p:sp>
+        <p:nvSpPr>
+          <p:cNvPr id="2" name="Slide Image Placeholder 1"/>
+          <p:cNvSpPr>
+            <a:spLocks noGrp="1" noRot="1" noChangeAspect="1"/>
+          </p:cNvSpPr>
+          <p:nvPr>
+            <p:ph type="sldImg"/>
+          </p:nvPr>
+        </p:nvSpPr>
+        <p:spPr/>
+      </p:sp>
+      <p:sp>
+        <p:nvSpPr>
+          <p:cNvPr id="3" name="Notes Placeholder 2"/>
+          <p:cNvSpPr>
+            <a:spLocks noGrp="1"/>
+          </p:cNvSpPr>
+          <p:nvPr>
+            <p:ph type="body" idx="1"/>
+          </p:nvPr>
+        </p:nvSpPr>
+        <p:spPr/>
+        <p:txBody>
+          <a:bodyPr/>
+          <a:lstStyle/>
+          <a:p>
+            <a:r>
+              <a:rPr lang="cs-CZ" dirty="0"/>
+              <a:t>Práce tedy nabízí několik možností jak na ni navázat. Například by bylo možné tyto modely natrénovat na více datech, nebo poté implementovat logiku do predikce, neboť některé třídy jsou vázány na výskyt penumbry a některé na její absenci. Další možností by bylo natrénovat model, který by byl schopen predikovat vývoj skupiny v čase. Tyto všechny kroky by mohly přinést modely schopné naprosto přesné predikce, které by se mohly začít využívat na hvězdárnách. Kromě tohoto, doufám, že práce přinesla lepší obecné povědomí o sluneční kresbě a strojovém učené. V neposlední řadě mi psaní středoškolské odborné činnosti doplnilo informace z obou témat.</a:t>
+            </a:r>
+          </a:p>
+          <a:p>
+            <a:endParaRPr lang="cs-CZ" dirty="0"/>
+          </a:p>
+        </p:txBody>
+      </p:sp>
+      <p:sp>
+        <p:nvSpPr>
+          <p:cNvPr id="4" name="Slide Number Placeholder 3"/>
+          <p:cNvSpPr>
+            <a:spLocks noGrp="1"/>
+          </p:cNvSpPr>
+          <p:nvPr>
+            <p:ph type="sldNum" sz="quarter" idx="5"/>
+          </p:nvPr>
+        </p:nvSpPr>
+        <p:spPr/>
+        <p:txBody>
+          <a:bodyPr/>
+          <a:lstStyle/>
+          <a:p>
+            <a:fld id="{CBBA801F-A763-49F0-9340-9CE6E525A0F2}" type="slidenum">
+              <a:rPr lang="cs-CZ" smtClean="0"/>
+              <a:t>9</a:t>
+            </a:fld>
+            <a:endParaRPr lang="cs-CZ"/>
+          </a:p>
+        </p:txBody>
+      </p:sp>
+    </p:spTree>
+    <p:extLst>
+      <p:ext uri="{BB962C8B-B14F-4D97-AF65-F5344CB8AC3E}">
+        <p14:creationId xmlns:p14="http://schemas.microsoft.com/office/powerpoint/2010/main" val="3887210236"/>
       </p:ext>
     </p:extLst>
   </p:cSld>
@@ -3982,7 +4321,9 @@
         </p:nvSpPr>
         <p:spPr/>
         <p:txBody>
-          <a:bodyPr/>
+          <a:bodyPr>
+            <a:normAutofit fontScale="92500"/>
+          </a:bodyPr>
           <a:lstStyle/>
           <a:p>
             <a:r>
@@ -4000,6 +4341,49 @@
               </a:rPr>
               <a:t>https://upload.wikimedia.org/wikipedia/commons/thumb/4/46/Colored_neural_network.svg/1703px-Colored_neural_network.svg.png</a:t>
             </a:r>
+            <a:endParaRPr lang="cs-CZ" dirty="0"/>
+          </a:p>
+          <a:p>
+            <a:r>
+              <a:rPr lang="cs-CZ" dirty="0">
+                <a:hlinkClick r:id="rId4"/>
+              </a:rPr>
+              <a:t>https://www.asu.cas.cz/~sunwatch/public/files/other/clanky/zonnevlekclassificatie-1.jpg</a:t>
+            </a:r>
+            <a:r>
+              <a:rPr lang="cs-CZ" dirty="0"/>
+              <a:t> </a:t>
+            </a:r>
+          </a:p>
+          <a:p>
+            <a:r>
+              <a:rPr lang="cs-CZ" dirty="0">
+                <a:hlinkClick r:id="rId5"/>
+              </a:rPr>
+              <a:t>https://cdn.mos.cms.futurecdn.net/yTpsCSAZA5YRtoKAco7Ft5-650-80.jpg.webp</a:t>
+            </a:r>
+            <a:endParaRPr lang="cs-CZ" dirty="0"/>
+          </a:p>
+          <a:p>
+            <a:r>
+              <a:rPr lang="cs-CZ" dirty="0">
+                <a:hlinkClick r:id="rId6"/>
+              </a:rPr>
+              <a:t>https://solarham.net/pictures/2024/mar24_2024_disk.jpg</a:t>
+            </a:r>
+            <a:endParaRPr lang="cs-CZ" dirty="0"/>
+          </a:p>
+          <a:p>
+            <a:r>
+              <a:rPr lang="cs-CZ"/>
+              <a:t>https://www.asu.cas.cz/~sunwatch/new/www/public/files/archive_patrol/sunspot_drawings/2024/240324dr.jpg</a:t>
+            </a:r>
+            <a:endParaRPr lang="cs-CZ" dirty="0"/>
+          </a:p>
+          <a:p>
+            <a:endParaRPr lang="cs-CZ" dirty="0"/>
+          </a:p>
+          <a:p>
             <a:endParaRPr lang="cs-CZ" dirty="0"/>
           </a:p>
           <a:p>
@@ -4141,7 +4525,7 @@
           <a:p>
             <a:pPr lvl="2"/>
             <a:r>
-              <a:rPr lang="cs-CZ" dirty="0"/>
+              <a:rPr lang="cs-CZ" i="1" dirty="0"/>
               <a:t>Proof of concept</a:t>
             </a:r>
           </a:p>
@@ -4449,7 +4833,12 @@
             <p:ph idx="1"/>
           </p:nvPr>
         </p:nvSpPr>
-        <p:spPr/>
+        <p:spPr>
+          <a:xfrm>
+            <a:off x="838200" y="1825625"/>
+            <a:ext cx="4976004" cy="4351338"/>
+          </a:xfrm>
+        </p:spPr>
         <p:txBody>
           <a:bodyPr/>
           <a:lstStyle/>
@@ -4510,10 +4899,10 @@
       </p:sp>
       <p:pic>
         <p:nvPicPr>
-          <p:cNvPr id="1026" name="Picture 2">
-            <a:extLst>
-              <a:ext uri="{FF2B5EF4-FFF2-40B4-BE49-F238E27FC236}">
-                <a16:creationId xmlns:a16="http://schemas.microsoft.com/office/drawing/2014/main" id="{B5952E1C-7AEE-4206-B6EB-DAA10B47794D}"/>
+          <p:cNvPr id="2054" name="Picture 6">
+            <a:extLst>
+              <a:ext uri="{FF2B5EF4-FFF2-40B4-BE49-F238E27FC236}">
+                <a16:creationId xmlns:a16="http://schemas.microsoft.com/office/drawing/2014/main" id="{D73D4E8E-73D8-4617-B38A-31B52A99DBF7}"/>
               </a:ext>
             </a:extLst>
           </p:cNvPr>
@@ -4537,8 +4926,8 @@
         </p:blipFill>
         <p:spPr bwMode="auto">
           <a:xfrm>
-            <a:off x="8901956" y="681037"/>
-            <a:ext cx="2709746" cy="5284922"/>
+            <a:off x="6096000" y="844670"/>
+            <a:ext cx="5168660" cy="5168660"/>
           </a:xfrm>
           <a:prstGeom prst="rect">
             <a:avLst/>
@@ -4585,154 +4974,327 @@
           <a:chExt cx="0" cy="0"/>
         </a:xfrm>
       </p:grpSpPr>
-      <p:sp>
-        <p:nvSpPr>
-          <p:cNvPr id="2" name="Title 1">
-            <a:extLst>
-              <a:ext uri="{FF2B5EF4-FFF2-40B4-BE49-F238E27FC236}">
-                <a16:creationId xmlns:a16="http://schemas.microsoft.com/office/drawing/2014/main" id="{61C9C53D-63F2-4EF9-B435-3B290A17A897}"/>
-              </a:ext>
-            </a:extLst>
-          </p:cNvPr>
-          <p:cNvSpPr>
-            <a:spLocks noGrp="1"/>
-          </p:cNvSpPr>
-          <p:nvPr>
-            <p:ph type="title"/>
-          </p:nvPr>
-        </p:nvSpPr>
-        <p:spPr/>
-        <p:txBody>
-          <a:bodyPr/>
-          <a:lstStyle/>
-          <a:p>
-            <a:r>
-              <a:rPr lang="cs-CZ" dirty="0"/>
-              <a:t>Kresba</a:t>
-            </a:r>
-          </a:p>
-        </p:txBody>
-      </p:sp>
-      <p:sp>
-        <p:nvSpPr>
-          <p:cNvPr id="4" name="Footer Placeholder 3">
-            <a:extLst>
-              <a:ext uri="{FF2B5EF4-FFF2-40B4-BE49-F238E27FC236}">
-                <a16:creationId xmlns:a16="http://schemas.microsoft.com/office/drawing/2014/main" id="{35576F1F-3043-4CB5-A68D-8FF4E9CAB9EF}"/>
-              </a:ext>
-            </a:extLst>
-          </p:cNvPr>
-          <p:cNvSpPr>
-            <a:spLocks noGrp="1"/>
-          </p:cNvSpPr>
-          <p:nvPr>
-            <p:ph type="ftr" sz="quarter" idx="11"/>
-          </p:nvPr>
-        </p:nvSpPr>
-        <p:spPr/>
-        <p:txBody>
-          <a:bodyPr/>
-          <a:lstStyle/>
-          <a:p>
-            <a:r>
-              <a:rPr lang="cs-CZ"/>
-              <a:t>Středoškolská odborná činnost 2024</a:t>
-            </a:r>
-            <a:endParaRPr lang="cs-CZ" dirty="0"/>
-          </a:p>
-        </p:txBody>
-      </p:sp>
-      <p:sp>
-        <p:nvSpPr>
-          <p:cNvPr id="10" name="Content Placeholder 9">
-            <a:extLst>
-              <a:ext uri="{FF2B5EF4-FFF2-40B4-BE49-F238E27FC236}">
-                <a16:creationId xmlns:a16="http://schemas.microsoft.com/office/drawing/2014/main" id="{72FF7B7E-CF36-4EBD-B28D-601EABAC6FE9}"/>
-              </a:ext>
-            </a:extLst>
-          </p:cNvPr>
-          <p:cNvSpPr>
-            <a:spLocks noGrp="1"/>
-          </p:cNvSpPr>
-          <p:nvPr>
-            <p:ph idx="1"/>
-          </p:nvPr>
-        </p:nvSpPr>
-        <p:spPr/>
-        <p:txBody>
-          <a:bodyPr/>
-          <a:lstStyle/>
-          <a:p>
-            <a:r>
-              <a:rPr lang="cs-CZ" dirty="0"/>
-              <a:t>Návštěva v Ondřejově (data z </a:t>
-            </a:r>
-            <a:r>
-              <a:rPr lang="cs-CZ" dirty="0" err="1"/>
-              <a:t>kanzelhohe</a:t>
-            </a:r>
-            <a:r>
-              <a:rPr lang="cs-CZ" dirty="0"/>
-              <a:t>)</a:t>
-            </a:r>
-          </a:p>
-          <a:p>
-            <a:r>
-              <a:rPr lang="cs-CZ" dirty="0"/>
-              <a:t>Zmínit že nějaká klasifikace</a:t>
-            </a:r>
-          </a:p>
-          <a:p>
-            <a:r>
-              <a:rPr lang="cs-CZ" dirty="0"/>
-              <a:t>Více </a:t>
-            </a:r>
-            <a:r>
-              <a:rPr lang="cs-CZ" dirty="0" err="1"/>
-              <a:t>info</a:t>
-            </a:r>
-            <a:r>
-              <a:rPr lang="cs-CZ" dirty="0"/>
-              <a:t> aby to byla </a:t>
-            </a:r>
-            <a:r>
-              <a:rPr lang="cs-CZ" dirty="0" err="1"/>
-              <a:t>popularizce</a:t>
-            </a:r>
-            <a:endParaRPr lang="cs-CZ" dirty="0"/>
-          </a:p>
-        </p:txBody>
-      </p:sp>
       <p:pic>
         <p:nvPicPr>
-          <p:cNvPr id="14" name="Picture 13">
-            <a:extLst>
-              <a:ext uri="{FF2B5EF4-FFF2-40B4-BE49-F238E27FC236}">
-                <a16:creationId xmlns:a16="http://schemas.microsoft.com/office/drawing/2014/main" id="{A7DE9089-7F02-40FF-9919-D4EFD5A379C6}"/>
+          <p:cNvPr id="7" name="Picture 6">
+            <a:extLst>
+              <a:ext uri="{FF2B5EF4-FFF2-40B4-BE49-F238E27FC236}">
+                <a16:creationId xmlns:a16="http://schemas.microsoft.com/office/drawing/2014/main" id="{4BC92A14-E0ED-4A01-9FC7-65F2641CB837}"/>
               </a:ext>
             </a:extLst>
           </p:cNvPr>
           <p:cNvPicPr>
-            <a:picLocks noChangeAspect="1"/>
+            <a:picLocks noChangeAspect="1" noChangeArrowheads="1"/>
           </p:cNvPicPr>
           <p:nvPr/>
         </p:nvPicPr>
         <p:blipFill>
-          <a:blip r:embed="rId3"/>
-          <a:stretch>
-            <a:fillRect/>
-          </a:stretch>
+          <a:blip r:embed="rId3">
+            <a:alphaModFix/>
+            <a:extLst>
+              <a:ext uri="{28A0092B-C50C-407E-A947-70E740481C1C}">
+                <a14:useLocalDpi xmlns:a14="http://schemas.microsoft.com/office/drawing/2010/main" val="0"/>
+              </a:ext>
+            </a:extLst>
+          </a:blip>
+          <a:srcRect/>
+          <a:stretch/>
         </p:blipFill>
+        <p:spPr bwMode="auto">
+          <a:xfrm>
+            <a:off x="5499290" y="552091"/>
+            <a:ext cx="6362079" cy="5557276"/>
+          </a:xfrm>
+          <a:prstGeom prst="rect">
+            <a:avLst/>
+          </a:prstGeom>
+          <a:noFill/>
+          <a:extLst>
+            <a:ext uri="{909E8E84-426E-40DD-AFC4-6F175D3DCCD1}">
+              <a14:hiddenFill xmlns:a14="http://schemas.microsoft.com/office/drawing/2010/main">
+                <a:solidFill>
+                  <a:srgbClr val="FFFFFF"/>
+                </a:solidFill>
+              </a14:hiddenFill>
+            </a:ext>
+          </a:extLst>
+        </p:spPr>
+      </p:pic>
+      <p:sp>
+        <p:nvSpPr>
+          <p:cNvPr id="2" name="Title 1">
+            <a:extLst>
+              <a:ext uri="{FF2B5EF4-FFF2-40B4-BE49-F238E27FC236}">
+                <a16:creationId xmlns:a16="http://schemas.microsoft.com/office/drawing/2014/main" id="{61C9C53D-63F2-4EF9-B435-3B290A17A897}"/>
+              </a:ext>
+            </a:extLst>
+          </p:cNvPr>
+          <p:cNvSpPr>
+            <a:spLocks noGrp="1"/>
+          </p:cNvSpPr>
+          <p:nvPr>
+            <p:ph type="title"/>
+          </p:nvPr>
+        </p:nvSpPr>
+        <p:spPr/>
+        <p:txBody>
+          <a:bodyPr/>
+          <a:lstStyle/>
+          <a:p>
+            <a:r>
+              <a:rPr lang="cs-CZ" dirty="0"/>
+              <a:t>Kresba Slunce</a:t>
+            </a:r>
+          </a:p>
+        </p:txBody>
+      </p:sp>
+      <p:sp>
+        <p:nvSpPr>
+          <p:cNvPr id="4" name="Footer Placeholder 3">
+            <a:extLst>
+              <a:ext uri="{FF2B5EF4-FFF2-40B4-BE49-F238E27FC236}">
+                <a16:creationId xmlns:a16="http://schemas.microsoft.com/office/drawing/2014/main" id="{35576F1F-3043-4CB5-A68D-8FF4E9CAB9EF}"/>
+              </a:ext>
+            </a:extLst>
+          </p:cNvPr>
+          <p:cNvSpPr>
+            <a:spLocks noGrp="1"/>
+          </p:cNvSpPr>
+          <p:nvPr>
+            <p:ph type="ftr" sz="quarter" idx="11"/>
+          </p:nvPr>
+        </p:nvSpPr>
+        <p:spPr/>
+        <p:txBody>
+          <a:bodyPr/>
+          <a:lstStyle/>
+          <a:p>
+            <a:r>
+              <a:rPr lang="cs-CZ"/>
+              <a:t>Středoškolská odborná činnost 2024</a:t>
+            </a:r>
+            <a:endParaRPr lang="cs-CZ" dirty="0"/>
+          </a:p>
+        </p:txBody>
+      </p:sp>
+      <p:sp>
+        <p:nvSpPr>
+          <p:cNvPr id="6" name="Zástupný symbol pro obsah 2">
+            <a:extLst>
+              <a:ext uri="{FF2B5EF4-FFF2-40B4-BE49-F238E27FC236}">
+                <a16:creationId xmlns:a16="http://schemas.microsoft.com/office/drawing/2014/main" id="{D1B97D2B-9CE3-4F78-8B9B-1F34CB9EB935}"/>
+              </a:ext>
+            </a:extLst>
+          </p:cNvPr>
+          <p:cNvSpPr txBox="1">
+            <a:spLocks/>
+          </p:cNvSpPr>
+          <p:nvPr/>
+        </p:nvSpPr>
         <p:spPr>
           <a:xfrm>
-            <a:off x="6799559" y="2035102"/>
-            <a:ext cx="4838700" cy="4352925"/>
+            <a:off x="838200" y="1825625"/>
+            <a:ext cx="4760343" cy="4351338"/>
           </a:xfrm>
           <a:prstGeom prst="rect">
             <a:avLst/>
           </a:prstGeom>
         </p:spPr>
-      </p:pic>
+        <p:txBody>
+          <a:bodyPr vert="horz" lIns="91440" tIns="45720" rIns="91440" bIns="45720" rtlCol="0">
+            <a:normAutofit/>
+          </a:bodyPr>
+          <a:lstStyle>
+            <a:lvl1pPr marL="228600" indent="-228600" algn="l" defTabSz="914400" rtl="0" eaLnBrk="1" latinLnBrk="0" hangingPunct="1">
+              <a:lnSpc>
+                <a:spcPct val="90000"/>
+              </a:lnSpc>
+              <a:spcBef>
+                <a:spcPts val="1000"/>
+              </a:spcBef>
+              <a:buFont typeface="Arial" panose="020B0604020202020204" pitchFamily="34" charset="0"/>
+              <a:buChar char="•"/>
+              <a:defRPr sz="2800" kern="1200">
+                <a:solidFill>
+                  <a:schemeClr val="tx1"/>
+                </a:solidFill>
+                <a:latin typeface="+mn-lt"/>
+                <a:ea typeface="+mn-ea"/>
+                <a:cs typeface="+mn-cs"/>
+              </a:defRPr>
+            </a:lvl1pPr>
+            <a:lvl2pPr marL="685800" indent="-228600" algn="l" defTabSz="914400" rtl="0" eaLnBrk="1" latinLnBrk="0" hangingPunct="1">
+              <a:lnSpc>
+                <a:spcPct val="90000"/>
+              </a:lnSpc>
+              <a:spcBef>
+                <a:spcPts val="500"/>
+              </a:spcBef>
+              <a:buFont typeface="Arial" panose="020B0604020202020204" pitchFamily="34" charset="0"/>
+              <a:buChar char="•"/>
+              <a:defRPr sz="2400" kern="1200">
+                <a:solidFill>
+                  <a:schemeClr val="tx1"/>
+                </a:solidFill>
+                <a:latin typeface="+mn-lt"/>
+                <a:ea typeface="+mn-ea"/>
+                <a:cs typeface="+mn-cs"/>
+              </a:defRPr>
+            </a:lvl2pPr>
+            <a:lvl3pPr marL="1143000" indent="-228600" algn="l" defTabSz="914400" rtl="0" eaLnBrk="1" latinLnBrk="0" hangingPunct="1">
+              <a:lnSpc>
+                <a:spcPct val="90000"/>
+              </a:lnSpc>
+              <a:spcBef>
+                <a:spcPts val="500"/>
+              </a:spcBef>
+              <a:buFont typeface="Arial" panose="020B0604020202020204" pitchFamily="34" charset="0"/>
+              <a:buChar char="•"/>
+              <a:defRPr sz="2000" kern="1200">
+                <a:solidFill>
+                  <a:schemeClr val="tx1"/>
+                </a:solidFill>
+                <a:latin typeface="+mn-lt"/>
+                <a:ea typeface="+mn-ea"/>
+                <a:cs typeface="+mn-cs"/>
+              </a:defRPr>
+            </a:lvl3pPr>
+            <a:lvl4pPr marL="1600200" indent="-228600" algn="l" defTabSz="914400" rtl="0" eaLnBrk="1" latinLnBrk="0" hangingPunct="1">
+              <a:lnSpc>
+                <a:spcPct val="90000"/>
+              </a:lnSpc>
+              <a:spcBef>
+                <a:spcPts val="500"/>
+              </a:spcBef>
+              <a:buFont typeface="Arial" panose="020B0604020202020204" pitchFamily="34" charset="0"/>
+              <a:buChar char="•"/>
+              <a:defRPr sz="1800" kern="1200">
+                <a:solidFill>
+                  <a:schemeClr val="tx1"/>
+                </a:solidFill>
+                <a:latin typeface="+mn-lt"/>
+                <a:ea typeface="+mn-ea"/>
+                <a:cs typeface="+mn-cs"/>
+              </a:defRPr>
+            </a:lvl4pPr>
+            <a:lvl5pPr marL="2057400" indent="-228600" algn="l" defTabSz="914400" rtl="0" eaLnBrk="1" latinLnBrk="0" hangingPunct="1">
+              <a:lnSpc>
+                <a:spcPct val="90000"/>
+              </a:lnSpc>
+              <a:spcBef>
+                <a:spcPts val="500"/>
+              </a:spcBef>
+              <a:buFont typeface="Arial" panose="020B0604020202020204" pitchFamily="34" charset="0"/>
+              <a:buChar char="•"/>
+              <a:defRPr sz="1800" kern="1200">
+                <a:solidFill>
+                  <a:schemeClr val="tx1"/>
+                </a:solidFill>
+                <a:latin typeface="+mn-lt"/>
+                <a:ea typeface="+mn-ea"/>
+                <a:cs typeface="+mn-cs"/>
+              </a:defRPr>
+            </a:lvl5pPr>
+            <a:lvl6pPr marL="2514600" indent="-228600" algn="l" defTabSz="914400" rtl="0" eaLnBrk="1" latinLnBrk="0" hangingPunct="1">
+              <a:lnSpc>
+                <a:spcPct val="90000"/>
+              </a:lnSpc>
+              <a:spcBef>
+                <a:spcPts val="500"/>
+              </a:spcBef>
+              <a:buFont typeface="Arial" panose="020B0604020202020204" pitchFamily="34" charset="0"/>
+              <a:buChar char="•"/>
+              <a:defRPr sz="1800" kern="1200">
+                <a:solidFill>
+                  <a:schemeClr val="tx1"/>
+                </a:solidFill>
+                <a:latin typeface="+mn-lt"/>
+                <a:ea typeface="+mn-ea"/>
+                <a:cs typeface="+mn-cs"/>
+              </a:defRPr>
+            </a:lvl6pPr>
+            <a:lvl7pPr marL="2971800" indent="-228600" algn="l" defTabSz="914400" rtl="0" eaLnBrk="1" latinLnBrk="0" hangingPunct="1">
+              <a:lnSpc>
+                <a:spcPct val="90000"/>
+              </a:lnSpc>
+              <a:spcBef>
+                <a:spcPts val="500"/>
+              </a:spcBef>
+              <a:buFont typeface="Arial" panose="020B0604020202020204" pitchFamily="34" charset="0"/>
+              <a:buChar char="•"/>
+              <a:defRPr sz="1800" kern="1200">
+                <a:solidFill>
+                  <a:schemeClr val="tx1"/>
+                </a:solidFill>
+                <a:latin typeface="+mn-lt"/>
+                <a:ea typeface="+mn-ea"/>
+                <a:cs typeface="+mn-cs"/>
+              </a:defRPr>
+            </a:lvl7pPr>
+            <a:lvl8pPr marL="3429000" indent="-228600" algn="l" defTabSz="914400" rtl="0" eaLnBrk="1" latinLnBrk="0" hangingPunct="1">
+              <a:lnSpc>
+                <a:spcPct val="90000"/>
+              </a:lnSpc>
+              <a:spcBef>
+                <a:spcPts val="500"/>
+              </a:spcBef>
+              <a:buFont typeface="Arial" panose="020B0604020202020204" pitchFamily="34" charset="0"/>
+              <a:buChar char="•"/>
+              <a:defRPr sz="1800" kern="1200">
+                <a:solidFill>
+                  <a:schemeClr val="tx1"/>
+                </a:solidFill>
+                <a:latin typeface="+mn-lt"/>
+                <a:ea typeface="+mn-ea"/>
+                <a:cs typeface="+mn-cs"/>
+              </a:defRPr>
+            </a:lvl8pPr>
+            <a:lvl9pPr marL="3886200" indent="-228600" algn="l" defTabSz="914400" rtl="0" eaLnBrk="1" latinLnBrk="0" hangingPunct="1">
+              <a:lnSpc>
+                <a:spcPct val="90000"/>
+              </a:lnSpc>
+              <a:spcBef>
+                <a:spcPts val="500"/>
+              </a:spcBef>
+              <a:buFont typeface="Arial" panose="020B0604020202020204" pitchFamily="34" charset="0"/>
+              <a:buChar char="•"/>
+              <a:defRPr sz="1800" kern="1200">
+                <a:solidFill>
+                  <a:schemeClr val="tx1"/>
+                </a:solidFill>
+                <a:latin typeface="+mn-lt"/>
+                <a:ea typeface="+mn-ea"/>
+                <a:cs typeface="+mn-cs"/>
+              </a:defRPr>
+            </a:lvl9pPr>
+          </a:lstStyle>
+          <a:p>
+            <a:r>
+              <a:rPr lang="cs-CZ" dirty="0"/>
+              <a:t>Ondřejovská hvězdárna</a:t>
+            </a:r>
+          </a:p>
+          <a:p>
+            <a:r>
+              <a:rPr lang="cs-CZ" dirty="0"/>
+              <a:t>Protokol obsahuje skupiny skvrn, jejich klasifikace a další údaje</a:t>
+            </a:r>
+          </a:p>
+          <a:p>
+            <a:r>
+              <a:rPr lang="cs-CZ" dirty="0"/>
+              <a:t>Více informací: </a:t>
+            </a:r>
+            <a:r>
+              <a:rPr lang="cs-CZ" dirty="0">
+                <a:hlinkClick r:id="rId4"/>
+              </a:rPr>
+              <a:t>https://www.asu.cas.cz/~sunwatch/cs/stranka/kresba</a:t>
+            </a:r>
+            <a:endParaRPr lang="cs-CZ" dirty="0"/>
+          </a:p>
+        </p:txBody>
+      </p:sp>
     </p:spTree>
     <p:extLst>
       <p:ext uri="{BB962C8B-B14F-4D97-AF65-F5344CB8AC3E}">
@@ -4768,7 +5330,7 @@
           <p:cNvPr id="2" name="Title 1">
             <a:extLst>
               <a:ext uri="{FF2B5EF4-FFF2-40B4-BE49-F238E27FC236}">
-                <a16:creationId xmlns:a16="http://schemas.microsoft.com/office/drawing/2014/main" id="{31AAF398-951C-4225-806F-9F68A15C3DDA}"/>
+                <a16:creationId xmlns:a16="http://schemas.microsoft.com/office/drawing/2014/main" id="{6252C007-FA35-4911-B79F-F57FC392256D}"/>
               </a:ext>
             </a:extLst>
           </p:cNvPr>
@@ -4796,7 +5358,7 @@
           <p:cNvPr id="3" name="Content Placeholder 2">
             <a:extLst>
               <a:ext uri="{FF2B5EF4-FFF2-40B4-BE49-F238E27FC236}">
-                <a16:creationId xmlns:a16="http://schemas.microsoft.com/office/drawing/2014/main" id="{56139771-A017-4402-9426-E8BE836A3096}"/>
+                <a16:creationId xmlns:a16="http://schemas.microsoft.com/office/drawing/2014/main" id="{B0D590BB-D747-49A3-8A53-B8E20D941979}"/>
               </a:ext>
             </a:extLst>
           </p:cNvPr>
@@ -4812,7 +5374,37 @@
           <a:bodyPr/>
           <a:lstStyle/>
           <a:p>
-            <a:endParaRPr lang="cs-CZ"/>
+            <a:r>
+              <a:rPr lang="cs-CZ" dirty="0"/>
+              <a:t>Slouží ke klasifikaci skupin</a:t>
+            </a:r>
+          </a:p>
+          <a:p>
+            <a:r>
+              <a:rPr lang="cs-CZ" dirty="0"/>
+              <a:t>Tři nezávislá kritéria</a:t>
+            </a:r>
+          </a:p>
+          <a:p>
+            <a:pPr lvl="1"/>
+            <a:r>
+              <a:rPr lang="cs-CZ" dirty="0"/>
+              <a:t>Konfigurace</a:t>
+            </a:r>
+          </a:p>
+          <a:p>
+            <a:pPr lvl="1"/>
+            <a:r>
+              <a:rPr lang="cs-CZ" dirty="0"/>
+              <a:t>Typ největší skvrny</a:t>
+            </a:r>
+          </a:p>
+          <a:p>
+            <a:pPr lvl="1"/>
+            <a:r>
+              <a:rPr lang="cs-CZ" dirty="0"/>
+              <a:t>Uspořádání skvrn</a:t>
+            </a:r>
           </a:p>
         </p:txBody>
       </p:sp>
@@ -4821,7 +5413,7 @@
           <p:cNvPr id="4" name="Footer Placeholder 3">
             <a:extLst>
               <a:ext uri="{FF2B5EF4-FFF2-40B4-BE49-F238E27FC236}">
-                <a16:creationId xmlns:a16="http://schemas.microsoft.com/office/drawing/2014/main" id="{D3B8E779-2A5A-443E-A84B-8841BBB8ECC5}"/>
+                <a16:creationId xmlns:a16="http://schemas.microsoft.com/office/drawing/2014/main" id="{4D55571A-79B4-4B22-8C4C-072B3680E7A4}"/>
               </a:ext>
             </a:extLst>
           </p:cNvPr>
@@ -4845,10 +5437,57 @@
           </a:p>
         </p:txBody>
       </p:sp>
+      <p:pic>
+        <p:nvPicPr>
+          <p:cNvPr id="1028" name="Picture 4">
+            <a:extLst>
+              <a:ext uri="{FF2B5EF4-FFF2-40B4-BE49-F238E27FC236}">
+                <a16:creationId xmlns:a16="http://schemas.microsoft.com/office/drawing/2014/main" id="{F6B3DE5B-A4C2-4473-AEA7-AC88F317C24D}"/>
+              </a:ext>
+            </a:extLst>
+          </p:cNvPr>
+          <p:cNvPicPr>
+            <a:picLocks noChangeAspect="1" noChangeArrowheads="1"/>
+          </p:cNvPicPr>
+          <p:nvPr/>
+        </p:nvPicPr>
+        <p:blipFill>
+          <a:blip r:embed="rId3">
+            <a:extLst>
+              <a:ext uri="{28A0092B-C50C-407E-A947-70E740481C1C}">
+                <a14:useLocalDpi xmlns:a14="http://schemas.microsoft.com/office/drawing/2010/main" val="0"/>
+              </a:ext>
+            </a:extLst>
+          </a:blip>
+          <a:srcRect/>
+          <a:stretch>
+            <a:fillRect/>
+          </a:stretch>
+        </p:blipFill>
+        <p:spPr bwMode="auto">
+          <a:xfrm>
+            <a:off x="6452557" y="553584"/>
+            <a:ext cx="5426016" cy="5750831"/>
+          </a:xfrm>
+          <a:prstGeom prst="rect">
+            <a:avLst/>
+          </a:prstGeom>
+          <a:noFill/>
+          <a:extLst>
+            <a:ext uri="{909E8E84-426E-40DD-AFC4-6F175D3DCCD1}">
+              <a14:hiddenFill xmlns:a14="http://schemas.microsoft.com/office/drawing/2010/main">
+                <a:solidFill>
+                  <a:srgbClr val="FFFFFF"/>
+                </a:solidFill>
+              </a14:hiddenFill>
+            </a:ext>
+          </a:extLst>
+        </p:spPr>
+      </p:pic>
     </p:spTree>
     <p:extLst>
       <p:ext uri="{BB962C8B-B14F-4D97-AF65-F5344CB8AC3E}">
-        <p14:creationId xmlns:p14="http://schemas.microsoft.com/office/powerpoint/2010/main" val="3619759120"/>
+        <p14:creationId xmlns:p14="http://schemas.microsoft.com/office/powerpoint/2010/main" val="4292358287"/>
       </p:ext>
     </p:extLst>
   </p:cSld>
@@ -4898,7 +5537,7 @@
           <a:p>
             <a:r>
               <a:rPr lang="cs-CZ" dirty="0"/>
-              <a:t>Strojové učení nebo umělá inteligence</a:t>
+              <a:t>Umělá inteligence</a:t>
             </a:r>
           </a:p>
         </p:txBody>
@@ -4919,24 +5558,69 @@
             <p:ph idx="1"/>
           </p:nvPr>
         </p:nvSpPr>
-        <p:spPr/>
-        <p:txBody>
-          <a:bodyPr/>
-          <a:lstStyle/>
-          <a:p>
-            <a:r>
-              <a:rPr lang="cs-CZ" dirty="0"/>
-              <a:t>Vysvětlit spor</a:t>
-            </a:r>
-          </a:p>
-          <a:p>
-            <a:r>
-              <a:rPr lang="cs-CZ" dirty="0" err="1"/>
-              <a:t>Číct</a:t>
-            </a:r>
-            <a:r>
-              <a:rPr lang="cs-CZ" dirty="0"/>
-              <a:t> že je něco jako neuronová síť</a:t>
+        <p:spPr>
+          <a:xfrm>
+            <a:off x="838200" y="1825625"/>
+            <a:ext cx="6977332" cy="4351338"/>
+          </a:xfrm>
+        </p:spPr>
+        <p:txBody>
+          <a:bodyPr/>
+          <a:lstStyle/>
+          <a:p>
+            <a:r>
+              <a:rPr lang="cs-CZ" dirty="0"/>
+              <a:t>Umělá inteligence</a:t>
+            </a:r>
+          </a:p>
+          <a:p>
+            <a:pPr marL="457200" lvl="1" indent="0">
+              <a:buNone/>
+            </a:pPr>
+            <a:r>
+              <a:rPr lang="cs-CZ" dirty="0"/>
+              <a:t>Jakýkoliv systém řešící komplexní úlohu</a:t>
+            </a:r>
+          </a:p>
+          <a:p>
+            <a:r>
+              <a:rPr lang="cs-CZ" dirty="0"/>
+              <a:t>Strojové učení</a:t>
+            </a:r>
+          </a:p>
+          <a:p>
+            <a:pPr lvl="1"/>
+            <a:r>
+              <a:rPr lang="cs-CZ" dirty="0"/>
+              <a:t>Metody jak splnit určitý úkol</a:t>
+            </a:r>
+          </a:p>
+          <a:p>
+            <a:pPr lvl="1"/>
+            <a:r>
+              <a:rPr lang="cs-CZ" dirty="0"/>
+              <a:t>Neuronová síť</a:t>
+            </a:r>
+          </a:p>
+          <a:p>
+            <a:pPr lvl="2"/>
+            <a:r>
+              <a:rPr lang="cs-CZ" dirty="0"/>
+              <a:t>Algoritmus jak natrénovat model</a:t>
+            </a:r>
+          </a:p>
+          <a:p>
+            <a:pPr lvl="2"/>
+            <a:r>
+              <a:rPr lang="cs-CZ" dirty="0"/>
+              <a:t>Konvoluční neuronová síť</a:t>
+            </a:r>
+          </a:p>
+          <a:p>
+            <a:pPr lvl="3"/>
+            <a:r>
+              <a:rPr lang="cs-CZ" dirty="0"/>
+              <a:t>vhodná k práci s obrázky</a:t>
             </a:r>
           </a:p>
         </p:txBody>
@@ -5069,7 +5753,7 @@
           <a:p>
             <a:r>
               <a:rPr lang="cs-CZ" dirty="0"/>
-              <a:t>Vstupní data</a:t>
+              <a:t>Trénování modelů</a:t>
             </a:r>
           </a:p>
         </p:txBody>
@@ -5121,20 +5805,55 @@
         </p:nvSpPr>
         <p:spPr/>
         <p:txBody>
-          <a:bodyPr/>
-          <a:lstStyle/>
-          <a:p>
-            <a:r>
-              <a:rPr lang="cs-CZ" dirty="0"/>
-              <a:t>Kresba -&gt; </a:t>
-            </a:r>
-            <a:r>
-              <a:rPr lang="cs-CZ" dirty="0" err="1"/>
-              <a:t>nalezní</a:t>
-            </a:r>
-            <a:r>
-              <a:rPr lang="cs-CZ" dirty="0"/>
-              <a:t> kosodélníků -&gt; úprava</a:t>
+          <a:bodyPr>
+            <a:normAutofit/>
+          </a:bodyPr>
+          <a:lstStyle/>
+          <a:p>
+            <a:r>
+              <a:rPr lang="cs-CZ" dirty="0"/>
+              <a:t>Programováno v jazyce Python</a:t>
+            </a:r>
+          </a:p>
+          <a:p>
+            <a:r>
+              <a:rPr lang="cs-CZ" dirty="0"/>
+              <a:t>Vlastnosti modelu</a:t>
+            </a:r>
+          </a:p>
+          <a:p>
+            <a:pPr lvl="1"/>
+            <a:r>
+              <a:rPr lang="cs-CZ" dirty="0"/>
+              <a:t>Konvoluční neuronová síť</a:t>
+            </a:r>
+          </a:p>
+          <a:p>
+            <a:pPr lvl="1"/>
+            <a:r>
+              <a:rPr lang="cs-CZ" dirty="0"/>
+              <a:t>Učení s učitelem</a:t>
+            </a:r>
+          </a:p>
+          <a:p>
+            <a:pPr lvl="1"/>
+            <a:r>
+              <a:rPr lang="cs-CZ" dirty="0"/>
+              <a:t>Další parametry (struktura sítě, </a:t>
+            </a:r>
+            <a:r>
+              <a:rPr lang="cs-CZ" i="1" dirty="0"/>
+              <a:t>batch size…</a:t>
+            </a:r>
+            <a:r>
+              <a:rPr lang="cs-CZ" dirty="0"/>
+              <a:t>) u každého modelu jiné</a:t>
+            </a:r>
+          </a:p>
+          <a:p>
+            <a:r>
+              <a:rPr lang="cs-CZ" dirty="0"/>
+              <a:t>Úprava vstupních dat</a:t>
             </a:r>
           </a:p>
         </p:txBody>
@@ -5154,7 +5873,7 @@
           <p:nvPr/>
         </p:nvPicPr>
         <p:blipFill>
-          <a:blip r:embed="rId2">
+          <a:blip r:embed="rId3">
             <a:extLst>
               <a:ext uri="{28A0092B-C50C-407E-A947-70E740481C1C}">
                 <a14:useLocalDpi xmlns:a14="http://schemas.microsoft.com/office/drawing/2010/main" val="0"/>
@@ -5167,8 +5886,8 @@
         </p:blipFill>
         <p:spPr>
           <a:xfrm>
-            <a:off x="1363851" y="3154550"/>
-            <a:ext cx="9084590" cy="2271148"/>
+            <a:off x="2787263" y="4496259"/>
+            <a:ext cx="6722814" cy="1680704"/>
           </a:xfrm>
           <a:prstGeom prst="rect">
             <a:avLst/>
@@ -5304,7 +6023,7 @@
           <p:nvPr/>
         </p:nvPicPr>
         <p:blipFill>
-          <a:blip r:embed="rId2">
+          <a:blip r:embed="rId3">
             <a:extLst>
               <a:ext uri="{28A0092B-C50C-407E-A947-70E740481C1C}">
                 <a14:useLocalDpi xmlns:a14="http://schemas.microsoft.com/office/drawing/2010/main" val="0"/>
@@ -5406,7 +6125,7 @@
           <a:p>
             <a:r>
               <a:rPr lang="cs-CZ" dirty="0"/>
-              <a:t>Trénink na více datech</a:t>
+              <a:t>Trénink na více datech (z jiných hvězdáren)</a:t>
             </a:r>
           </a:p>
           <a:p>
@@ -5418,12 +6137,6 @@
           <a:p>
             <a:r>
               <a:rPr lang="cs-CZ" dirty="0"/>
-              <a:t>Více vstupních dat</a:t>
-            </a:r>
-          </a:p>
-          <a:p>
-            <a:r>
-              <a:rPr lang="cs-CZ" dirty="0"/>
               <a:t>Model vývoje skupiny</a:t>
             </a:r>
           </a:p>
@@ -5437,12 +6150,6 @@
             <a:r>
               <a:rPr lang="cs-CZ" dirty="0"/>
               <a:t>Lepší obecné povědomí o kresbě a umělé inteligenci</a:t>
-            </a:r>
-          </a:p>
-          <a:p>
-            <a:r>
-              <a:rPr lang="cs-CZ" dirty="0"/>
-              <a:t>Já jsem se něco naučil</a:t>
             </a:r>
           </a:p>
         </p:txBody>

--- a/SOC - prezentace.pptx
+++ b/SOC - prezentace.pptx
@@ -17,8 +17,8 @@
     <p:sldId id="266" r:id="rId8"/>
     <p:sldId id="261" r:id="rId9"/>
     <p:sldId id="262" r:id="rId10"/>
-    <p:sldId id="264" r:id="rId11"/>
-    <p:sldId id="265" r:id="rId12"/>
+    <p:sldId id="265" r:id="rId11"/>
+    <p:sldId id="264" r:id="rId12"/>
   </p:sldIdLst>
   <p:sldSz cx="12192000" cy="6858000"/>
   <p:notesSz cx="6858000" cy="9144000"/>
@@ -207,7 +207,7 @@
           <a:p>
             <a:fld id="{690E95D2-5477-4BEB-AF65-E79B532831D0}" type="datetimeFigureOut">
               <a:rPr lang="cs-CZ" smtClean="0"/>
-              <a:t>24.03.2024</a:t>
+              <a:t>25.03.2024</a:t>
             </a:fld>
             <a:endParaRPr lang="cs-CZ"/>
           </a:p>
@@ -561,6 +561,177 @@
 </p:notes>
 </file>
 
+<file path=ppt/notesSlides/notesSlide10.xml><?xml version="1.0" encoding="utf-8"?>
+<p:notes xmlns:a="http://schemas.openxmlformats.org/drawingml/2006/main" xmlns:r="http://schemas.openxmlformats.org/officeDocument/2006/relationships" xmlns:p="http://schemas.openxmlformats.org/presentationml/2006/main">
+  <p:cSld>
+    <p:spTree>
+      <p:nvGrpSpPr>
+        <p:cNvPr id="1" name=""/>
+        <p:cNvGrpSpPr/>
+        <p:nvPr/>
+      </p:nvGrpSpPr>
+      <p:grpSpPr>
+        <a:xfrm>
+          <a:off x="0" y="0"/>
+          <a:ext cx="0" cy="0"/>
+          <a:chOff x="0" y="0"/>
+          <a:chExt cx="0" cy="0"/>
+        </a:xfrm>
+      </p:grpSpPr>
+      <p:sp>
+        <p:nvSpPr>
+          <p:cNvPr id="2" name="Slide Image Placeholder 1"/>
+          <p:cNvSpPr>
+            <a:spLocks noGrp="1" noRot="1" noChangeAspect="1"/>
+          </p:cNvSpPr>
+          <p:nvPr>
+            <p:ph type="sldImg"/>
+          </p:nvPr>
+        </p:nvSpPr>
+        <p:spPr/>
+      </p:sp>
+      <p:sp>
+        <p:nvSpPr>
+          <p:cNvPr id="3" name="Notes Placeholder 2"/>
+          <p:cNvSpPr>
+            <a:spLocks noGrp="1"/>
+          </p:cNvSpPr>
+          <p:nvPr>
+            <p:ph type="body" idx="1"/>
+          </p:nvPr>
+        </p:nvSpPr>
+        <p:spPr/>
+        <p:txBody>
+          <a:bodyPr/>
+          <a:lstStyle/>
+          <a:p>
+            <a:endParaRPr lang="cs-CZ" dirty="0"/>
+          </a:p>
+        </p:txBody>
+      </p:sp>
+      <p:sp>
+        <p:nvSpPr>
+          <p:cNvPr id="4" name="Slide Number Placeholder 3"/>
+          <p:cNvSpPr>
+            <a:spLocks noGrp="1"/>
+          </p:cNvSpPr>
+          <p:nvPr>
+            <p:ph type="sldNum" sz="quarter" idx="5"/>
+          </p:nvPr>
+        </p:nvSpPr>
+        <p:spPr/>
+        <p:txBody>
+          <a:bodyPr/>
+          <a:lstStyle/>
+          <a:p>
+            <a:fld id="{CBBA801F-A763-49F0-9340-9CE6E525A0F2}" type="slidenum">
+              <a:rPr lang="cs-CZ" smtClean="0"/>
+              <a:t>10</a:t>
+            </a:fld>
+            <a:endParaRPr lang="cs-CZ"/>
+          </a:p>
+        </p:txBody>
+      </p:sp>
+    </p:spTree>
+    <p:extLst>
+      <p:ext uri="{BB962C8B-B14F-4D97-AF65-F5344CB8AC3E}">
+        <p14:creationId xmlns:p14="http://schemas.microsoft.com/office/powerpoint/2010/main" val="4019031492"/>
+      </p:ext>
+    </p:extLst>
+  </p:cSld>
+  <p:clrMapOvr>
+    <a:masterClrMapping/>
+  </p:clrMapOvr>
+</p:notes>
+</file>
+
+<file path=ppt/notesSlides/notesSlide11.xml><?xml version="1.0" encoding="utf-8"?>
+<p:notes xmlns:a="http://schemas.openxmlformats.org/drawingml/2006/main" xmlns:r="http://schemas.openxmlformats.org/officeDocument/2006/relationships" xmlns:p="http://schemas.openxmlformats.org/presentationml/2006/main">
+  <p:cSld>
+    <p:spTree>
+      <p:nvGrpSpPr>
+        <p:cNvPr id="1" name=""/>
+        <p:cNvGrpSpPr/>
+        <p:nvPr/>
+      </p:nvGrpSpPr>
+      <p:grpSpPr>
+        <a:xfrm>
+          <a:off x="0" y="0"/>
+          <a:ext cx="0" cy="0"/>
+          <a:chOff x="0" y="0"/>
+          <a:chExt cx="0" cy="0"/>
+        </a:xfrm>
+      </p:grpSpPr>
+      <p:sp>
+        <p:nvSpPr>
+          <p:cNvPr id="2" name="Slide Image Placeholder 1"/>
+          <p:cNvSpPr>
+            <a:spLocks noGrp="1" noRot="1" noChangeAspect="1"/>
+          </p:cNvSpPr>
+          <p:nvPr>
+            <p:ph type="sldImg"/>
+          </p:nvPr>
+        </p:nvSpPr>
+        <p:spPr/>
+      </p:sp>
+      <p:sp>
+        <p:nvSpPr>
+          <p:cNvPr id="3" name="Notes Placeholder 2"/>
+          <p:cNvSpPr>
+            <a:spLocks noGrp="1"/>
+          </p:cNvSpPr>
+          <p:nvPr>
+            <p:ph type="body" idx="1"/>
+          </p:nvPr>
+        </p:nvSpPr>
+        <p:spPr/>
+        <p:txBody>
+          <a:bodyPr/>
+          <a:lstStyle/>
+          <a:p>
+            <a:r>
+              <a:rPr lang="cs-CZ" dirty="0"/>
+              <a:t>A nyní mi nezbývá nic jiného, než poděkovat za vaši pozornost.</a:t>
+            </a:r>
+          </a:p>
+        </p:txBody>
+      </p:sp>
+      <p:sp>
+        <p:nvSpPr>
+          <p:cNvPr id="4" name="Slide Number Placeholder 3"/>
+          <p:cNvSpPr>
+            <a:spLocks noGrp="1"/>
+          </p:cNvSpPr>
+          <p:nvPr>
+            <p:ph type="sldNum" sz="quarter" idx="5"/>
+          </p:nvPr>
+        </p:nvSpPr>
+        <p:spPr/>
+        <p:txBody>
+          <a:bodyPr/>
+          <a:lstStyle/>
+          <a:p>
+            <a:fld id="{CBBA801F-A763-49F0-9340-9CE6E525A0F2}" type="slidenum">
+              <a:rPr lang="cs-CZ" smtClean="0"/>
+              <a:t>11</a:t>
+            </a:fld>
+            <a:endParaRPr lang="cs-CZ"/>
+          </a:p>
+        </p:txBody>
+      </p:sp>
+    </p:spTree>
+    <p:extLst>
+      <p:ext uri="{BB962C8B-B14F-4D97-AF65-F5344CB8AC3E}">
+        <p14:creationId xmlns:p14="http://schemas.microsoft.com/office/powerpoint/2010/main" val="2711626856"/>
+      </p:ext>
+    </p:extLst>
+  </p:cSld>
+  <p:clrMapOvr>
+    <a:masterClrMapping/>
+  </p:clrMapOvr>
+</p:notes>
+</file>
+
 <file path=ppt/notesSlides/notesSlide2.xml><?xml version="1.0" encoding="utf-8"?>
 <p:notes xmlns:a="http://schemas.openxmlformats.org/drawingml/2006/main" xmlns:r="http://schemas.openxmlformats.org/officeDocument/2006/relationships" xmlns:p="http://schemas.openxmlformats.org/presentationml/2006/main">
   <p:cSld>
@@ -651,7 +822,7 @@
           <a:p>
             <a:r>
               <a:rPr lang="cs-CZ" dirty="0"/>
-              <a:t>Dalším výsledkem je samotný text práce, který jednoduše a srozumitelně uvádí do problematiky ze stran obou ústředních témat, jak slunečních skvrn, tak strojového učení. Tato pasáž je psána od základních informací, tak aby kdokoliv, kdo mou práci přečte, nabyl potřebných informací nutných k tvorbě podobných modelů jako jsem trénoval já. Ve své práci jsem popsal celkem 8 různých modelů, které byly schopné predikovat třídy McIntoshovy klasifikace. Kromě jejich parametrů jsem nabídl i další možnosti, jak tyto modely dále upravovat.</a:t>
+              <a:t>Dalším výsledkem je samotný text práce, který jednoduše a srozumitelně uvádí do problematiky ze stran obou ústředních témat. Tato pasáž je psána, tak aby kdokoliv, kdo mou práci přečte, nabyl potřebných informací nutných k tvorbě podobných modelů. Ve své práci jsem popsal celkem 8 různých modelů. Kromě jejich parametrů a výsledků jsem nabídl i další možnosti, jak tyto modely dále upravovat.</a:t>
             </a:r>
           </a:p>
           <a:p>
@@ -660,7 +831,7 @@
           <a:p>
             <a:r>
               <a:rPr lang="cs-CZ" dirty="0"/>
-              <a:t>Nyní se pojďme detailněji podívat na postup trénování a výsledku některých modelů. Před tím ještě zmíním ty nejzákladnější informace nutné k pochopení modelů, například co je to kresba Slunce, nebo McIntoshova klasifikace.</a:t>
+              <a:t>Nyní se pojďme detailněji podívat na postup trénování a výsledky některých modelů. Před tím ještě zmíním ty nejzákladnější informace nutné k pochopení modelů, například co jsou sluneční skvrny, co je kresba Slunce, McIntoshova klasifikace nebo neuronová síť.</a:t>
             </a:r>
           </a:p>
         </p:txBody>
@@ -747,7 +918,7 @@
           <a:p>
             <a:r>
               <a:rPr lang="cs-CZ" dirty="0"/>
-              <a:t>Sluneční skvrny jsou tmavé útvary pozorovatelné na Slunci dalekohledy ale i pouhýma očima. K tomu musí nastat ale speciální podmínky. Sluneční skvrny zobrazují určitou poruchu magnetického pole naší nejbližší hvězdy. Magnetické indukční čáry v těchto místech vystupují nebo vstupují na povrch Slunce a tím dochází ke snížení teploty a ke ztmavnutí této aktivní oblasti. Několik desítek slunečních skvrn můžeme vidět na obrázku vpravo, tyto skvrn pak můžeme rozřadit do 5 zjevných skupin, které se mezi sebou nijak neovlivňují. Zde jsem jako ukázku vybral fotky z družice SDO, ale existují i jiné metody jak zachytit tyto útvary, například sluneční kresba. Pojďme se na tuto metodu podívat detailněji.</a:t>
+              <a:t>Sluneční skvrny jsou tmavé útvary pozorovatelné na Slunci dalekohledy ale i pouhýma očima. Sluneční skvrny zobrazují určitou poruchu magnetického pole naší nejbližší hvězdy. Magnetické indukční čáry v těchto místech vystupují na povrch Slunce a tím dochází ke snížení teploty a ke ztmavnutí této aktivní oblasti. Několik desítek slunečních skvrn můžete vidět na obrázku vpravo, tyto skvrn pak můžeme rozřadit do 8 zjevných skupin, které se mezi sebou nijak neovlivňují. Zde jsem jako ukázku vybral fotografii z družice SDO, ale existují i jiné metody jak zachytit tyto útvary. Jednou z nich je například sluneční kresba. Pojďme se na ni podívat detailněji.</a:t>
             </a:r>
           </a:p>
         </p:txBody>
@@ -834,7 +1005,7 @@
           <a:p>
             <a:r>
               <a:rPr lang="cs-CZ" dirty="0"/>
-              <a:t>I přestože tato metoda zachycení fotosféry Slunce má přibližně 300 letou tradici, v České republice se kresbě věnuje jen málo jedinců a hvězdáren. Jednou z nich je Ondřejovská hvězdárna, kterou jsem taktéž při psaní této práce navštívil, abych lépe pochopili celý proces kreslení a dostal odpovědi od prvotřídních odborníků v oboru. Protokol kresby můžete vidět zde na obrázku. Sluneční disk se při zákresu přes dalekohled promítá na tento formulář, tak aby mohly být zakresleny všechny sluneční útvary. Poté jsou všechny skupiny skvrn ohraničeny obdélníkem a je jim přiřazena jejich klasifikace. Povšimněte si, že například největší skupina má označení Ekc. Kromě slunečního disku samotného můžeme v rozích formuláře vidět tabulky s některými důležitými informacemi, které jsme při tvorbě modelu použili. Pokud vás kresba zaujala, chtěli byste si ji vyzkoušet, případně vás zajímá více informací doporučuji vám navštívit tento odkaz, kde naleznete všechny potřebné informace.</a:t>
+              <a:t>I přestože tato metoda zachycení fotosféry Slunce má přibližně 300 letou tradici, v České republice se kresbě věnuje jen málo jedinců a hvězdáren. Jednou z nich je Ondřejovská hvězdárna, kterou jsem taktéž při psaní této práce navštívil, abych lépe pochopili celý proces kreslení a dostal odpovědi od prvotřídních odborníků v oboru. Protokol kresby můžete vidět zde na obrázku. Sluneční disk se při zákresu přes dalekohled promítá na tento formulář, tak aby mohly být zakresleny všechny útvary na Slunci. Poté jsou všechny skupiny skvrn ohraničeny obdélníkem a je jim přiřazena jejich klasifikace. Povšimněte si, že například největší skupina má označení Ekc. Kromě slunečního disku samotného můžeme v rozích formuláře vidět tabulky s některými důležitými informacemi, které jsem při tvorbě modelu použil.</a:t>
             </a:r>
           </a:p>
         </p:txBody>
@@ -921,7 +1092,7 @@
           <a:p>
             <a:r>
               <a:rPr lang="cs-CZ" dirty="0"/>
-              <a:t>Jak jsem zmínil na předchozím slidu, skupiny slunečních skvrn můžeme klasifikovat. Existuje více možných klasifikací, ale já jsem si vybral </a:t>
+              <a:t>Jak jsem zmínil na předchozím slidu, skupiny slunečních skvrn můžeme klasifikovat. Existuje více možných klasifikací, ale já jsem si pro tuto práci vybral </a:t>
             </a:r>
             <a:r>
               <a:rPr lang="cs-CZ" dirty="0" err="1"/>
@@ -929,15 +1100,7 @@
             </a:r>
             <a:r>
               <a:rPr lang="cs-CZ" dirty="0"/>
-              <a:t> klasifikaci, protože skupiny dostávají své třípísmenné označení na základě 3 na sobě nezávislých podklasifikací. První písmeno závisí na konfiguraci skupiny, druhé poté na </a:t>
-            </a:r>
-            <a:r>
-              <a:rPr lang="cs-CZ" dirty="0" err="1"/>
-              <a:t>penubře</a:t>
-            </a:r>
-            <a:r>
-              <a:rPr lang="cs-CZ" dirty="0"/>
-              <a:t> největší skvrn a třetí na rozložení skvrn v prostoru. Tím, že jsem si vybral právě tuto klasifikaci, jsem mohl vytvořit 3 modely, které predikovaly vždy jednu podklasifikaci.</a:t>
+              <a:t>, protože skupiny dostávají své třípísmenné označení na základě 3 na sobě nezávislých podklasifikací. První písmeno závisí na konfiguraci skupiny, druhé poté na penumbře největší skvrn a třetí na rozložení skvrn v prostoru. Jednotlivé příklady skvrn s jejich zařazením můžete vidět zda na obrázku. Tím, že jsem si vybral právě tuto klasifikaci, jsem mohl například vytvořit 3 nezávislé modely, které predikovaly vždy jednu podklasifikaci.</a:t>
             </a:r>
           </a:p>
         </p:txBody>
@@ -1024,15 +1187,7 @@
           <a:p>
             <a:r>
               <a:rPr lang="cs-CZ" dirty="0"/>
-              <a:t>Jak z názvu vyplívá, ve své práci jsem využíval umělou inteligenci, nebo spíše strojové učení. Umělá inteligence je souhrnný pojem, </a:t>
-            </a:r>
-            <a:r>
-              <a:rPr lang="cs-CZ" dirty="0" err="1"/>
-              <a:t>zaštitující</a:t>
-            </a:r>
-            <a:r>
-              <a:rPr lang="cs-CZ" dirty="0"/>
-              <a:t> jakýkoliv stroj, který provádí operace. Její podmnožinou je strojové učení což je </a:t>
+              <a:t>Jak z názvu vyplívá, ve své práci jsem využíval i umělou inteligenci, nebo spíše strojové učení. Umělá inteligence je souhrnný pojem, zaštiťující jakýkoliv stroj, který provádí komplexní operace. Její podmnožinou je strojové učení což je </a:t>
             </a:r>
             <a:r>
               <a:rPr lang="cs-CZ" dirty="0" err="1"/>
@@ -1052,23 +1207,7 @@
             </a:r>
             <a:r>
               <a:rPr lang="cs-CZ" dirty="0"/>
-              <a:t>Jedním z těchto algoritmů je neuronová síť, jejíž fungování nám zobrazuje obrázek vpravo. Síť se sestává z mnoha neuronů, zde koleček, které jsou napojeny na jiné </a:t>
-            </a:r>
-            <a:r>
-              <a:rPr lang="cs-CZ" dirty="0" err="1"/>
-              <a:t>neurnoy</a:t>
-            </a:r>
-            <a:r>
-              <a:rPr lang="cs-CZ" dirty="0"/>
-              <a:t> a dokáží se aktivovat v závislosti na neuronech v předchozí vrstvě. Tato neuronová síť má určité typy vrstev, první se nazývá vstupní a pouze přebírá vstupní data, poté následují skryté </a:t>
-            </a:r>
-            <a:r>
-              <a:rPr lang="cs-CZ" dirty="0" err="1"/>
-              <a:t>vstvy</a:t>
-            </a:r>
-            <a:r>
-              <a:rPr lang="cs-CZ" dirty="0"/>
-              <a:t>, které vstupní data vyhodnocují a neuronová síť je zakončena výstupní vrstvou, která například může udávat pravděpodobnosti zařazení vstupu do 2 tříd. Typ neuronových sít´, který využívám já, je konvoluční neuronová síť. Tento algoritmus učení se osvědčil, protože v sobě mají neurony zabudovanou informaci o poleze pixelu na vstupním obrázku.</a:t>
+              <a:t>Jedním z těchto algoritmů je neuronová síť, jejíž fungování nám zobrazuje obrázek vpravo. Síť se sestává z mnoha neuronů, zde koleček, které jsou napojeny na jiné neurony a dokáží se v závislosti na nich aktivovat. Tato neuronová síť má určité typy vrstev, první se nazývá vstupní a pouze přebírá vstupní data, poté následují skryté vrstvy, které vstupní data vyhodnocují a neuronová síť je zakončena výstupní vrstvou, která například může udávat pravděpodobnosti zařazení vstupu do 2 tříd. Typem neuronových sít´, který využívám já, je konvoluční neuronová síť. Tento algoritmus se osvědčil právě při práci s obrázky, neboť v sobě mají neurony zabudovanou informaci o polohách pixelů.</a:t>
             </a:r>
           </a:p>
         </p:txBody>
@@ -1172,7 +1311,7 @@
             </a:pPr>
             <a:r>
               <a:rPr lang="cs-CZ" dirty="0"/>
-              <a:t>Modely jsem trénoval v programovacím jazyce Python. Trénoval jsem model konvoluční neuronové sítě. Jako styl učení jsem si vybral učení s učitelem, což je metoda, kdy jsou ke vstupním datům přiřazena i správná výstupní data. U každého modelu jsem poté nastavoval další parametry a ty zaznamenal do práce.</a:t>
+              <a:t>Modely konvolučních neuronových sítí jsem trénoval v programovacím jazyce Python. Jako styl učení jsem si vybral učení s učitelem, což je metoda, kdy jsou ke vstupním datům přiřazena i správná výstupní data. U každého modelu jsem poté nastavoval další parametry, například počet a strukturu vrstev, batch size, a mnoho dalších a ty zaznamenal do práce.</a:t>
             </a:r>
           </a:p>
           <a:p>
@@ -1195,7 +1334,7 @@
             </a:pPr>
             <a:r>
               <a:rPr lang="cs-CZ" dirty="0"/>
-              <a:t>K natrénovaní jakéhokoliv modelu jsou potřeba také vstupní data, která nesmí být podceňována. V mém případě byla vstupní data jednotlivé skupiny skvrn zakreslené na protokolu. Tyto skupiny jsou vždy označeny v kresbě obdélníkem a tedy jsem programově našel všechny obdélníky, z oblasti skupiny okolo jsem poté odstranil žlutooranžové prvky, filamenty, odebral okolí skvrn a celý obrázek invertoval pro lepší funkci modelu.</a:t>
+              <a:t>K natrénovaní jakéhokoliv modelu jsou potřeba vždy vstupní data. V mém případě tvořili vstupní data jednotlivé skupiny skvrn, vyextrahované z protokolu kreseb. Tyto skupiny jsou vždy na kresbě ohraničeny a tedy jsem programově našel všechny obdélníky, odstranil žlutooranžové prvky, odebral okolí skupiny a celý obrázek invertoval pro lepší funkci modelu.</a:t>
             </a:r>
           </a:p>
         </p:txBody>
@@ -1282,7 +1421,15 @@
           <a:p>
             <a:r>
               <a:rPr lang="cs-CZ" dirty="0"/>
-              <a:t>Takto jsem vytvořil několik modelů, zde jsou uvedeny konfuzní matice modelů, které predikovaly vždy jednu podklasifikaci McIntoshova systému. Konfuzní matice je způsob zobrazení přesnosti modelu. Kdyby byla všechna data na diagonále, tak by model predikoval správné označení třídy. Tedy například z obrázků můžeme vyčíst, že největší problém měl 1. model s predikcí třídy F, kterou většinou označil jako třídu F. Modely prvního a třetího písmena byly v celku přesné, ale například s predikcí klasifikace podle typu největší skvrny měl model problém, což je zřejmé, neboť tato skvrna se může ve skupině vyskytovat v podstatě kdekoliv.</a:t>
+              <a:t>Takto jsem vytvořil několik modelů, zde jsou uvedeny konfuzní matice dvou. První model predikoval zařazení skvrn do jedné ze čtyř </a:t>
+            </a:r>
+            <a:r>
+              <a:rPr lang="cs-CZ" dirty="0" err="1"/>
+              <a:t>McIntoshových</a:t>
+            </a:r>
+            <a:r>
+              <a:rPr lang="cs-CZ" dirty="0"/>
+              <a:t> tříd, Axx, Csi, Eac a Hsx. Druhý model určoval klasifikaci podle konfigurace skupiny. Konfuzní matice je způsob zobrazení přesnosti modelu. Kdyby byla všechna data na diagonále, tak by model predikoval vše správně. Tedy například z obrázků můžeme vyčíst, že největší problém měl 2. model s predikcí třídy F, kterou většinou označil jako třídu E. Možností, jak zlepšit predikci je mnoho.</a:t>
             </a:r>
           </a:p>
         </p:txBody>
@@ -1369,7 +1516,7 @@
           <a:p>
             <a:r>
               <a:rPr lang="cs-CZ" dirty="0"/>
-              <a:t>Práce tedy nabízí několik možností jak na ni navázat. Například by bylo možné tyto modely natrénovat na více datech, nebo poté implementovat logiku do predikce, neboť některé třídy jsou vázány na výskyt penumbry a některé na její absenci. Další možností by bylo natrénovat model, který by byl schopen predikovat vývoj skupiny v čase. Tyto všechny kroky by mohly přinést modely schopné naprosto přesné predikce, které by se mohly začít využívat na hvězdárnách. Kromě tohoto, doufám, že práce přinesla lepší obecné povědomí o sluneční kresbě a strojovém učené. V neposlední řadě mi psaní středoškolské odborné činnosti doplnilo informace z obou témat.</a:t>
+              <a:t>Tyto možnosti, jak predikci zlepšit a na práci navázat jsem taktéž v práci popsal. Například by bylo možné modely natrénovat na více datech, nebo implementovat logiku do predikce, neboť některé podtřídy se navzájem vylučují. Další možností by bylo natrénovat model, který by byl schopen predikovat vývoj skupiny v čase. Tyto všechny kroky by mohly přinést modely schopné naprosto přesné predikce, které by se mohly začít využívat na hvězdárnách. Doufám také, že práce zlepší obecné povědomí o sluneční kresbě a strojovém učení. Mě osobně psaní středoškolské odborné činnosti doplnilo informace z obou témat.</a:t>
             </a:r>
           </a:p>
           <a:p>
@@ -4172,7 +4319,7 @@
           <p:cNvPr id="5" name="Title 4">
             <a:extLst>
               <a:ext uri="{FF2B5EF4-FFF2-40B4-BE49-F238E27FC236}">
-                <a16:creationId xmlns:a16="http://schemas.microsoft.com/office/drawing/2014/main" id="{AB03A9F2-994A-46C5-A9C0-00B5B277FC53}"/>
+                <a16:creationId xmlns:a16="http://schemas.microsoft.com/office/drawing/2014/main" id="{47C77175-CAD0-4585-99AC-1C388C567D6E}"/>
               </a:ext>
             </a:extLst>
           </p:cNvPr>
@@ -4190,33 +4337,92 @@
           <a:p>
             <a:r>
               <a:rPr lang="cs-CZ" dirty="0"/>
-              <a:t>Děkuji za pozornost</a:t>
-            </a:r>
-          </a:p>
-        </p:txBody>
-      </p:sp>
-      <p:sp>
-        <p:nvSpPr>
-          <p:cNvPr id="6" name="Text Placeholder 5">
-            <a:extLst>
-              <a:ext uri="{FF2B5EF4-FFF2-40B4-BE49-F238E27FC236}">
-                <a16:creationId xmlns:a16="http://schemas.microsoft.com/office/drawing/2014/main" id="{AF117B40-8DCF-4737-ACB2-60BF87A301BD}"/>
-              </a:ext>
-            </a:extLst>
-          </p:cNvPr>
-          <p:cNvSpPr>
-            <a:spLocks noGrp="1"/>
-          </p:cNvSpPr>
-          <p:nvPr>
-            <p:ph type="body" idx="1"/>
-          </p:nvPr>
-        </p:nvSpPr>
-        <p:spPr/>
-        <p:txBody>
-          <a:bodyPr/>
-          <a:lstStyle/>
-          <a:p>
-            <a:endParaRPr lang="cs-CZ"/>
+              <a:t>Zdroje</a:t>
+            </a:r>
+          </a:p>
+        </p:txBody>
+      </p:sp>
+      <p:sp>
+        <p:nvSpPr>
+          <p:cNvPr id="6" name="Content Placeholder 5">
+            <a:extLst>
+              <a:ext uri="{FF2B5EF4-FFF2-40B4-BE49-F238E27FC236}">
+                <a16:creationId xmlns:a16="http://schemas.microsoft.com/office/drawing/2014/main" id="{46439F48-D3AB-4634-BF7A-C2EA02B0AB24}"/>
+              </a:ext>
+            </a:extLst>
+          </p:cNvPr>
+          <p:cNvSpPr>
+            <a:spLocks noGrp="1"/>
+          </p:cNvSpPr>
+          <p:nvPr>
+            <p:ph idx="1"/>
+          </p:nvPr>
+        </p:nvSpPr>
+        <p:spPr/>
+        <p:txBody>
+          <a:bodyPr>
+            <a:normAutofit fontScale="85000" lnSpcReduction="20000"/>
+          </a:bodyPr>
+          <a:lstStyle/>
+          <a:p>
+            <a:r>
+              <a:rPr lang="cs-CZ" dirty="0"/>
+              <a:t>https://upload.wikimedia.org/wikipedia/commons/thumb/6/6c/Westb%C3%B6hmische_Universit%C3%A4t_Pilsen_Logo.svg/1200px-Westb%C3%B6hmische_Universit%C3%A4t_Pilsen_Logo.svg.png</a:t>
+            </a:r>
+          </a:p>
+          <a:p>
+            <a:r>
+              <a:rPr lang="cs-CZ" dirty="0"/>
+              <a:t>https://www.czechspaceportal.cz/wp-content/uploads/2020/09/asu-logo-v1-cz-rgb-positive-color-300x122.png</a:t>
+            </a:r>
+            <a:endParaRPr lang="cs-CZ" dirty="0">
+              <a:hlinkClick r:id="rId3"/>
+            </a:endParaRPr>
+          </a:p>
+          <a:p>
+            <a:r>
+              <a:rPr lang="cs-CZ" dirty="0"/>
+              <a:t>https://www.mgplzen.cz/images/loga/logo_horizontalni.svg</a:t>
+            </a:r>
+            <a:endParaRPr lang="cs-CZ" dirty="0">
+              <a:hlinkClick r:id="rId3"/>
+            </a:endParaRPr>
+          </a:p>
+          <a:p>
+            <a:r>
+              <a:rPr lang="cs-CZ" dirty="0"/>
+              <a:t>https://solarham.net/pictures/2024/mar24_2024_disk.jpg</a:t>
+            </a:r>
+          </a:p>
+          <a:p>
+            <a:r>
+              <a:rPr lang="cs-CZ" dirty="0"/>
+              <a:t>https://www.asu.cas.cz/~sunwatch/new/www/public/files/archive_patrol/sunspot_drawings/2024/240324dr.jpg</a:t>
+            </a:r>
+          </a:p>
+          <a:p>
+            <a:r>
+              <a:rPr lang="cs-CZ" dirty="0"/>
+              <a:t>https://www.asu.cas.cz/~sunwatch/public/files/other/clanky/zonnevlekclassificatie-1.jpg </a:t>
+            </a:r>
+          </a:p>
+          <a:p>
+            <a:r>
+              <a:rPr lang="cs-CZ" dirty="0"/>
+              <a:t>https://upload.wikimedia.org/wikipedia/commons/thumb/4/46/Colored_neural_network.svg/1703px-Colored_neural_network.svg.png</a:t>
+            </a:r>
+          </a:p>
+          <a:p>
+            <a:endParaRPr lang="cs-CZ" dirty="0"/>
+          </a:p>
+          <a:p>
+            <a:endParaRPr lang="cs-CZ" dirty="0"/>
+          </a:p>
+          <a:p>
+            <a:endParaRPr lang="cs-CZ" dirty="0"/>
+          </a:p>
+          <a:p>
+            <a:endParaRPr lang="cs-CZ" dirty="0"/>
           </a:p>
         </p:txBody>
       </p:sp>
@@ -4225,7 +4431,7 @@
           <p:cNvPr id="4" name="Footer Placeholder 3">
             <a:extLst>
               <a:ext uri="{FF2B5EF4-FFF2-40B4-BE49-F238E27FC236}">
-                <a16:creationId xmlns:a16="http://schemas.microsoft.com/office/drawing/2014/main" id="{493D7FFE-3B82-48A6-91A6-546C19330360}"/>
+                <a16:creationId xmlns:a16="http://schemas.microsoft.com/office/drawing/2014/main" id="{9D365B0D-520F-4956-B3D9-18B379E28934}"/>
               </a:ext>
             </a:extLst>
           </p:cNvPr>
@@ -4251,7 +4457,7 @@
     </p:spTree>
     <p:extLst>
       <p:ext uri="{BB962C8B-B14F-4D97-AF65-F5344CB8AC3E}">
-        <p14:creationId xmlns:p14="http://schemas.microsoft.com/office/powerpoint/2010/main" val="4092347004"/>
+        <p14:creationId xmlns:p14="http://schemas.microsoft.com/office/powerpoint/2010/main" val="3333178357"/>
       </p:ext>
     </p:extLst>
   </p:cSld>
@@ -4283,7 +4489,7 @@
           <p:cNvPr id="5" name="Title 4">
             <a:extLst>
               <a:ext uri="{FF2B5EF4-FFF2-40B4-BE49-F238E27FC236}">
-                <a16:creationId xmlns:a16="http://schemas.microsoft.com/office/drawing/2014/main" id="{47C77175-CAD0-4585-99AC-1C388C567D6E}"/>
+                <a16:creationId xmlns:a16="http://schemas.microsoft.com/office/drawing/2014/main" id="{AB03A9F2-994A-46C5-A9C0-00B5B277FC53}"/>
               </a:ext>
             </a:extLst>
           </p:cNvPr>
@@ -4294,100 +4500,21 @@
             <p:ph type="title"/>
           </p:nvPr>
         </p:nvSpPr>
-        <p:spPr/>
-        <p:txBody>
-          <a:bodyPr/>
-          <a:lstStyle/>
-          <a:p>
-            <a:endParaRPr lang="cs-CZ"/>
-          </a:p>
-        </p:txBody>
-      </p:sp>
-      <p:sp>
-        <p:nvSpPr>
-          <p:cNvPr id="6" name="Content Placeholder 5">
-            <a:extLst>
-              <a:ext uri="{FF2B5EF4-FFF2-40B4-BE49-F238E27FC236}">
-                <a16:creationId xmlns:a16="http://schemas.microsoft.com/office/drawing/2014/main" id="{46439F48-D3AB-4634-BF7A-C2EA02B0AB24}"/>
-              </a:ext>
-            </a:extLst>
-          </p:cNvPr>
-          <p:cNvSpPr>
-            <a:spLocks noGrp="1"/>
-          </p:cNvSpPr>
-          <p:nvPr>
-            <p:ph idx="1"/>
-          </p:nvPr>
-        </p:nvSpPr>
-        <p:spPr/>
-        <p:txBody>
-          <a:bodyPr>
-            <a:normAutofit fontScale="92500"/>
-          </a:bodyPr>
-          <a:lstStyle/>
-          <a:p>
-            <a:r>
-              <a:rPr lang="cs-CZ" dirty="0">
-                <a:hlinkClick r:id="rId2"/>
-              </a:rPr>
-              <a:t>https://upload.wikimedia.org/wikipedia/commons/8/8d/Sunspots.JPG</a:t>
-            </a:r>
-            <a:endParaRPr lang="cs-CZ" dirty="0"/>
-          </a:p>
-          <a:p>
-            <a:r>
-              <a:rPr lang="cs-CZ" dirty="0">
-                <a:hlinkClick r:id="rId3"/>
-              </a:rPr>
-              <a:t>https://upload.wikimedia.org/wikipedia/commons/thumb/4/46/Colored_neural_network.svg/1703px-Colored_neural_network.svg.png</a:t>
-            </a:r>
-            <a:endParaRPr lang="cs-CZ" dirty="0"/>
-          </a:p>
-          <a:p>
-            <a:r>
-              <a:rPr lang="cs-CZ" dirty="0">
-                <a:hlinkClick r:id="rId4"/>
-              </a:rPr>
-              <a:t>https://www.asu.cas.cz/~sunwatch/public/files/other/clanky/zonnevlekclassificatie-1.jpg</a:t>
-            </a:r>
-            <a:r>
-              <a:rPr lang="cs-CZ" dirty="0"/>
-              <a:t> </a:t>
-            </a:r>
-          </a:p>
-          <a:p>
-            <a:r>
-              <a:rPr lang="cs-CZ" dirty="0">
-                <a:hlinkClick r:id="rId5"/>
-              </a:rPr>
-              <a:t>https://cdn.mos.cms.futurecdn.net/yTpsCSAZA5YRtoKAco7Ft5-650-80.jpg.webp</a:t>
-            </a:r>
-            <a:endParaRPr lang="cs-CZ" dirty="0"/>
-          </a:p>
-          <a:p>
-            <a:r>
-              <a:rPr lang="cs-CZ" dirty="0">
-                <a:hlinkClick r:id="rId6"/>
-              </a:rPr>
-              <a:t>https://solarham.net/pictures/2024/mar24_2024_disk.jpg</a:t>
-            </a:r>
-            <a:endParaRPr lang="cs-CZ" dirty="0"/>
-          </a:p>
-          <a:p>
-            <a:r>
-              <a:rPr lang="cs-CZ"/>
-              <a:t>https://www.asu.cas.cz/~sunwatch/new/www/public/files/archive_patrol/sunspot_drawings/2024/240324dr.jpg</a:t>
-            </a:r>
-            <a:endParaRPr lang="cs-CZ" dirty="0"/>
-          </a:p>
-          <a:p>
-            <a:endParaRPr lang="cs-CZ" dirty="0"/>
-          </a:p>
-          <a:p>
-            <a:endParaRPr lang="cs-CZ" dirty="0"/>
-          </a:p>
-          <a:p>
-            <a:endParaRPr lang="cs-CZ" dirty="0"/>
+        <p:spPr>
+          <a:xfrm>
+            <a:off x="831850" y="883557"/>
+            <a:ext cx="10515600" cy="1133475"/>
+          </a:xfrm>
+        </p:spPr>
+        <p:txBody>
+          <a:bodyPr/>
+          <a:lstStyle/>
+          <a:p>
+            <a:pPr algn="ctr"/>
+            <a:r>
+              <a:rPr lang="cs-CZ" dirty="0"/>
+              <a:t>Děkuji za pozornost</a:t>
+            </a:r>
           </a:p>
         </p:txBody>
       </p:sp>
@@ -4396,7 +4523,7 @@
           <p:cNvPr id="4" name="Footer Placeholder 3">
             <a:extLst>
               <a:ext uri="{FF2B5EF4-FFF2-40B4-BE49-F238E27FC236}">
-                <a16:creationId xmlns:a16="http://schemas.microsoft.com/office/drawing/2014/main" id="{9D365B0D-520F-4956-B3D9-18B379E28934}"/>
+                <a16:creationId xmlns:a16="http://schemas.microsoft.com/office/drawing/2014/main" id="{493D7FFE-3B82-48A6-91A6-546C19330360}"/>
               </a:ext>
             </a:extLst>
           </p:cNvPr>
@@ -4419,10 +4546,117 @@
           </a:p>
         </p:txBody>
       </p:sp>
+      <p:pic>
+        <p:nvPicPr>
+          <p:cNvPr id="3" name="Picture 2">
+            <a:extLst>
+              <a:ext uri="{FF2B5EF4-FFF2-40B4-BE49-F238E27FC236}">
+                <a16:creationId xmlns:a16="http://schemas.microsoft.com/office/drawing/2014/main" id="{C97E3FBB-5460-4598-82F2-CA7846BA76D8}"/>
+              </a:ext>
+            </a:extLst>
+          </p:cNvPr>
+          <p:cNvPicPr>
+            <a:picLocks noChangeAspect="1"/>
+          </p:cNvPicPr>
+          <p:nvPr/>
+        </p:nvPicPr>
+        <p:blipFill rotWithShape="1">
+          <a:blip r:embed="rId3">
+            <a:extLst>
+              <a:ext uri="{28A0092B-C50C-407E-A947-70E740481C1C}">
+                <a14:useLocalDpi xmlns:a14="http://schemas.microsoft.com/office/drawing/2010/main" val="0"/>
+              </a:ext>
+            </a:extLst>
+          </a:blip>
+          <a:srcRect l="12966" t="13658" r="12593" b="13372"/>
+          <a:stretch/>
+        </p:blipFill>
+        <p:spPr>
+          <a:xfrm>
+            <a:off x="831850" y="2216208"/>
+            <a:ext cx="3516889" cy="3447390"/>
+          </a:xfrm>
+          <a:prstGeom prst="rect">
+            <a:avLst/>
+          </a:prstGeom>
+        </p:spPr>
+      </p:pic>
+      <p:pic>
+        <p:nvPicPr>
+          <p:cNvPr id="8" name="Picture 7">
+            <a:extLst>
+              <a:ext uri="{FF2B5EF4-FFF2-40B4-BE49-F238E27FC236}">
+                <a16:creationId xmlns:a16="http://schemas.microsoft.com/office/drawing/2014/main" id="{FB8BAE79-F89F-4827-803B-DAB30C22F2A5}"/>
+              </a:ext>
+            </a:extLst>
+          </p:cNvPr>
+          <p:cNvPicPr>
+            <a:picLocks noChangeAspect="1"/>
+          </p:cNvPicPr>
+          <p:nvPr/>
+        </p:nvPicPr>
+        <p:blipFill>
+          <a:blip r:embed="rId4">
+            <a:extLst>
+              <a:ext uri="{28A0092B-C50C-407E-A947-70E740481C1C}">
+                <a14:useLocalDpi xmlns:a14="http://schemas.microsoft.com/office/drawing/2010/main" val="0"/>
+              </a:ext>
+            </a:extLst>
+          </a:blip>
+          <a:stretch>
+            <a:fillRect/>
+          </a:stretch>
+        </p:blipFill>
+        <p:spPr>
+          <a:xfrm>
+            <a:off x="7572288" y="2211218"/>
+            <a:ext cx="3835594" cy="3452380"/>
+          </a:xfrm>
+          <a:prstGeom prst="rect">
+            <a:avLst/>
+          </a:prstGeom>
+        </p:spPr>
+      </p:pic>
+      <p:pic>
+        <p:nvPicPr>
+          <p:cNvPr id="10" name="Picture 9">
+            <a:extLst>
+              <a:ext uri="{FF2B5EF4-FFF2-40B4-BE49-F238E27FC236}">
+                <a16:creationId xmlns:a16="http://schemas.microsoft.com/office/drawing/2014/main" id="{BED89B5E-8355-4B17-8E18-91C6D737B21A}"/>
+              </a:ext>
+            </a:extLst>
+          </p:cNvPr>
+          <p:cNvPicPr>
+            <a:picLocks noChangeAspect="1"/>
+          </p:cNvPicPr>
+          <p:nvPr/>
+        </p:nvPicPr>
+        <p:blipFill>
+          <a:blip r:embed="rId5">
+            <a:extLst>
+              <a:ext uri="{28A0092B-C50C-407E-A947-70E740481C1C}">
+                <a14:useLocalDpi xmlns:a14="http://schemas.microsoft.com/office/drawing/2010/main" val="0"/>
+              </a:ext>
+            </a:extLst>
+          </a:blip>
+          <a:stretch>
+            <a:fillRect/>
+          </a:stretch>
+        </p:blipFill>
+        <p:spPr>
+          <a:xfrm>
+            <a:off x="4348739" y="3031667"/>
+            <a:ext cx="3223549" cy="1988357"/>
+          </a:xfrm>
+          <a:prstGeom prst="rect">
+            <a:avLst/>
+          </a:prstGeom>
+        </p:spPr>
+      </p:pic>
     </p:spTree>
     <p:extLst>
       <p:ext uri="{BB962C8B-B14F-4D97-AF65-F5344CB8AC3E}">
-        <p14:creationId xmlns:p14="http://schemas.microsoft.com/office/powerpoint/2010/main" val="3333178357"/>
+        <p14:creationId xmlns:p14="http://schemas.microsoft.com/office/powerpoint/2010/main" val="4092347004"/>
       </p:ext>
     </p:extLst>
   </p:cSld>
@@ -5277,21 +5511,8 @@
           <a:p>
             <a:r>
               <a:rPr lang="cs-CZ" dirty="0"/>
-              <a:t>Protokol obsahuje skupiny skvrn, jejich klasifikace a další údaje</a:t>
-            </a:r>
-          </a:p>
-          <a:p>
-            <a:r>
-              <a:rPr lang="cs-CZ" dirty="0"/>
-              <a:t>Více informací: </a:t>
-            </a:r>
-            <a:r>
-              <a:rPr lang="cs-CZ" dirty="0">
-                <a:hlinkClick r:id="rId4"/>
-              </a:rPr>
-              <a:t>https://www.asu.cas.cz/~sunwatch/cs/stranka/kresba</a:t>
-            </a:r>
-            <a:endParaRPr lang="cs-CZ" dirty="0"/>
+              <a:t>Obsahuje skupiny skvrn, jejich klasifikace a další údaje</a:t>
+            </a:r>
           </a:p>
         </p:txBody>
       </p:sp>
@@ -5682,8 +5903,8 @@
         </p:blipFill>
         <p:spPr bwMode="auto">
           <a:xfrm>
-            <a:off x="7901811" y="1545768"/>
-            <a:ext cx="3618057" cy="4351338"/>
+            <a:off x="7161007" y="907721"/>
+            <a:ext cx="4192793" cy="5042557"/>
           </a:xfrm>
           <a:prstGeom prst="rect">
             <a:avLst/>
@@ -5947,36 +6168,8 @@
           <a:p>
             <a:r>
               <a:rPr lang="cs-CZ" dirty="0"/>
-              <a:t>Vybrané modely</a:t>
-            </a:r>
-          </a:p>
-        </p:txBody>
-      </p:sp>
-      <p:sp>
-        <p:nvSpPr>
-          <p:cNvPr id="3" name="Content Placeholder 2">
-            <a:extLst>
-              <a:ext uri="{FF2B5EF4-FFF2-40B4-BE49-F238E27FC236}">
-                <a16:creationId xmlns:a16="http://schemas.microsoft.com/office/drawing/2014/main" id="{54D63B0D-B764-4453-B11B-83920A7615CB}"/>
-              </a:ext>
-            </a:extLst>
-          </p:cNvPr>
-          <p:cNvSpPr>
-            <a:spLocks noGrp="1"/>
-          </p:cNvSpPr>
-          <p:nvPr>
-            <p:ph idx="1"/>
-          </p:nvPr>
-        </p:nvSpPr>
-        <p:spPr/>
-        <p:txBody>
-          <a:bodyPr/>
-          <a:lstStyle/>
-          <a:p>
-            <a:pPr marL="0" indent="0">
-              <a:buNone/>
-            </a:pPr>
-            <a:endParaRPr lang="cs-CZ" dirty="0"/>
+              <a:t>Výsledky vybraných modelů</a:t>
+            </a:r>
           </a:p>
         </p:txBody>
       </p:sp>
@@ -6010,10 +6203,10 @@
       </p:sp>
       <p:pic>
         <p:nvPicPr>
-          <p:cNvPr id="6" name="Picture 5">
-            <a:extLst>
-              <a:ext uri="{FF2B5EF4-FFF2-40B4-BE49-F238E27FC236}">
-                <a16:creationId xmlns:a16="http://schemas.microsoft.com/office/drawing/2014/main" id="{CE92B3B7-CA42-494F-B86D-3EC2494BB84B}"/>
+          <p:cNvPr id="9" name="Picture 8">
+            <a:extLst>
+              <a:ext uri="{FF2B5EF4-FFF2-40B4-BE49-F238E27FC236}">
+                <a16:creationId xmlns:a16="http://schemas.microsoft.com/office/drawing/2014/main" id="{33BAAE39-BED7-4057-9575-71516807EC08}"/>
               </a:ext>
             </a:extLst>
           </p:cNvPr>
@@ -6030,20 +6223,127 @@
               </a:ext>
             </a:extLst>
           </a:blip>
+          <a:srcRect/>
+          <a:stretch/>
+        </p:blipFill>
+        <p:spPr>
+          <a:xfrm>
+            <a:off x="6596932" y="1502362"/>
+            <a:ext cx="4389129" cy="4389129"/>
+          </a:xfrm>
+          <a:prstGeom prst="rect">
+            <a:avLst/>
+          </a:prstGeom>
+        </p:spPr>
+      </p:pic>
+      <p:pic>
+        <p:nvPicPr>
+          <p:cNvPr id="11" name="Picture 10">
+            <a:extLst>
+              <a:ext uri="{FF2B5EF4-FFF2-40B4-BE49-F238E27FC236}">
+                <a16:creationId xmlns:a16="http://schemas.microsoft.com/office/drawing/2014/main" id="{10791AAF-3B60-4778-A68D-0AA2FF286FF9}"/>
+              </a:ext>
+            </a:extLst>
+          </p:cNvPr>
+          <p:cNvPicPr>
+            <a:picLocks noChangeAspect="1"/>
+          </p:cNvPicPr>
+          <p:nvPr/>
+        </p:nvPicPr>
+        <p:blipFill>
+          <a:blip r:embed="rId4">
+            <a:extLst>
+              <a:ext uri="{28A0092B-C50C-407E-A947-70E740481C1C}">
+                <a14:useLocalDpi xmlns:a14="http://schemas.microsoft.com/office/drawing/2010/main" val="0"/>
+              </a:ext>
+            </a:extLst>
+          </a:blip>
           <a:stretch>
             <a:fillRect/>
           </a:stretch>
         </p:blipFill>
         <p:spPr>
           <a:xfrm>
-            <a:off x="790848" y="2348470"/>
-            <a:ext cx="10715644" cy="3571881"/>
+            <a:off x="1205939" y="1512513"/>
+            <a:ext cx="4389129" cy="4389129"/>
           </a:xfrm>
           <a:prstGeom prst="rect">
             <a:avLst/>
           </a:prstGeom>
         </p:spPr>
       </p:pic>
+      <p:sp>
+        <p:nvSpPr>
+          <p:cNvPr id="17" name="TextBox 16">
+            <a:extLst>
+              <a:ext uri="{FF2B5EF4-FFF2-40B4-BE49-F238E27FC236}">
+                <a16:creationId xmlns:a16="http://schemas.microsoft.com/office/drawing/2014/main" id="{E4C94C18-2A64-4B75-9E4D-2E01B6ABF7C9}"/>
+              </a:ext>
+            </a:extLst>
+          </p:cNvPr>
+          <p:cNvSpPr txBox="1"/>
+          <p:nvPr/>
+        </p:nvSpPr>
+        <p:spPr>
+          <a:xfrm>
+            <a:off x="1205939" y="5637851"/>
+            <a:ext cx="4031077" cy="646331"/>
+          </a:xfrm>
+          <a:prstGeom prst="rect">
+            <a:avLst/>
+          </a:prstGeom>
+          <a:noFill/>
+        </p:spPr>
+        <p:txBody>
+          <a:bodyPr wrap="square" rtlCol="0">
+            <a:spAutoFit/>
+          </a:bodyPr>
+          <a:lstStyle/>
+          <a:p>
+            <a:pPr algn="ctr"/>
+            <a:r>
+              <a:rPr lang="cs-CZ" dirty="0"/>
+              <a:t>Konfuzní matice modelu Axx-Csi-Eac-Hsx; přesnost 97,21 %</a:t>
+            </a:r>
+          </a:p>
+        </p:txBody>
+      </p:sp>
+      <p:sp>
+        <p:nvSpPr>
+          <p:cNvPr id="18" name="TextBox 17">
+            <a:extLst>
+              <a:ext uri="{FF2B5EF4-FFF2-40B4-BE49-F238E27FC236}">
+                <a16:creationId xmlns:a16="http://schemas.microsoft.com/office/drawing/2014/main" id="{CCC14EAA-8E07-46B6-8709-E326590EE8D9}"/>
+              </a:ext>
+            </a:extLst>
+          </p:cNvPr>
+          <p:cNvSpPr txBox="1"/>
+          <p:nvPr/>
+        </p:nvSpPr>
+        <p:spPr>
+          <a:xfrm>
+            <a:off x="6596932" y="5637850"/>
+            <a:ext cx="4031077" cy="646331"/>
+          </a:xfrm>
+          <a:prstGeom prst="rect">
+            <a:avLst/>
+          </a:prstGeom>
+          <a:noFill/>
+        </p:spPr>
+        <p:txBody>
+          <a:bodyPr wrap="square" rtlCol="0">
+            <a:spAutoFit/>
+          </a:bodyPr>
+          <a:lstStyle/>
+          <a:p>
+            <a:pPr algn="ctr"/>
+            <a:r>
+              <a:rPr lang="cs-CZ" dirty="0"/>
+              <a:t>Konfuzní matice modelu A-B-C-D-E-F-H; přesnost 66,22 %</a:t>
+            </a:r>
+          </a:p>
+        </p:txBody>
+      </p:sp>
     </p:spTree>
     <p:extLst>
       <p:ext uri="{BB962C8B-B14F-4D97-AF65-F5344CB8AC3E}">
@@ -6097,7 +6397,7 @@
           <a:p>
             <a:r>
               <a:rPr lang="cs-CZ" dirty="0"/>
-              <a:t>Přínosy a návaznosti</a:t>
+              <a:t>Možnost budoucího vývoje a přínosu</a:t>
             </a:r>
           </a:p>
         </p:txBody>
